--- a/interconnect.pptx
+++ b/interconnect.pptx
@@ -6,6 +6,9 @@
   </p:sldMasterIdLst>
   <p:sldIdLst>
     <p:sldId id="256" r:id="rId2"/>
+    <p:sldId id="259" r:id="rId3"/>
+    <p:sldId id="257" r:id="rId4"/>
+    <p:sldId id="258" r:id="rId5"/>
   </p:sldIdLst>
   <p:sldSz cx="12192000" cy="6858000"/>
   <p:notesSz cx="6858000" cy="9144000"/>
@@ -3439,7 +3442,7 @@
         </p:nvGrpSpPr>
         <p:grpSpPr>
           <a:xfrm>
-            <a:off x="4679944" y="2147614"/>
+            <a:off x="4679944" y="2058406"/>
             <a:ext cx="1297462" cy="692784"/>
             <a:chOff x="5058030" y="3272078"/>
             <a:chExt cx="1297462" cy="692784"/>
@@ -4281,7 +4284,7 @@
         <p:spPr>
           <a:xfrm flipH="1" flipV="1">
             <a:off x="7856416" y="2408551"/>
-            <a:ext cx="561145" cy="1770"/>
+            <a:ext cx="728411" cy="1770"/>
           </a:xfrm>
           <a:prstGeom prst="straightConnector1">
             <a:avLst/>
@@ -4390,7 +4393,7 @@
         </p:blipFill>
         <p:spPr>
           <a:xfrm>
-            <a:off x="8417561" y="2251571"/>
+            <a:off x="8584827" y="2251571"/>
             <a:ext cx="355600" cy="317500"/>
           </a:xfrm>
           <a:prstGeom prst="rect">
@@ -4506,7 +4509,7 @@
         </p:nvCxnSpPr>
         <p:spPr>
           <a:xfrm rot="16200000" flipH="1">
-            <a:off x="3995136" y="1809197"/>
+            <a:off x="3995136" y="1719989"/>
             <a:ext cx="1000581" cy="369035"/>
           </a:xfrm>
           <a:prstGeom prst="bentConnector2">
@@ -4553,7 +4556,7 @@
         <p:spPr>
           <a:xfrm flipV="1">
             <a:off x="5977406" y="1640374"/>
-            <a:ext cx="301474" cy="853632"/>
+            <a:ext cx="301474" cy="764424"/>
           </a:xfrm>
           <a:prstGeom prst="bentConnector2">
             <a:avLst/>
@@ -4990,7 +4993,7 @@
         <p:spPr>
           <a:xfrm>
             <a:off x="3590315" y="2897851"/>
-            <a:ext cx="4997202" cy="1744052"/>
+            <a:ext cx="4853815" cy="1744052"/>
           </a:xfrm>
           <a:prstGeom prst="roundRect">
             <a:avLst/>
@@ -5081,8 +5084,92 @@
         </p:blipFill>
         <p:spPr>
           <a:xfrm>
-            <a:off x="7653495" y="4073550"/>
+            <a:off x="8517856" y="3954156"/>
             <a:ext cx="444500" cy="317500"/>
+          </a:xfrm>
+          <a:prstGeom prst="rect">
+            <a:avLst/>
+          </a:prstGeom>
+        </p:spPr>
+      </p:pic>
+      <p:sp>
+        <p:nvSpPr>
+          <p:cNvPr id="86" name="Rounded Rectangle 85">
+            <a:extLst>
+              <a:ext uri="{FF2B5EF4-FFF2-40B4-BE49-F238E27FC236}">
+                <a16:creationId xmlns:a16="http://schemas.microsoft.com/office/drawing/2014/main" id="{C6101CDB-9AEB-7B4B-8DD7-B542B270EAC6}"/>
+              </a:ext>
+            </a:extLst>
+          </p:cNvPr>
+          <p:cNvSpPr/>
+          <p:nvPr/>
+        </p:nvSpPr>
+        <p:spPr>
+          <a:xfrm>
+            <a:off x="4093240" y="1023466"/>
+            <a:ext cx="4350890" cy="1805545"/>
+          </a:xfrm>
+          <a:prstGeom prst="roundRect">
+            <a:avLst/>
+          </a:prstGeom>
+          <a:noFill/>
+          <a:ln w="38100">
+            <a:solidFill>
+              <a:srgbClr val="FF0000"/>
+            </a:solidFill>
+            <a:prstDash val="dash"/>
+          </a:ln>
+          <a:effectLst/>
+        </p:spPr>
+        <p:style>
+          <a:lnRef idx="2">
+            <a:schemeClr val="accent1">
+              <a:shade val="50000"/>
+            </a:schemeClr>
+          </a:lnRef>
+          <a:fillRef idx="1">
+            <a:schemeClr val="accent1"/>
+          </a:fillRef>
+          <a:effectRef idx="0">
+            <a:schemeClr val="accent1"/>
+          </a:effectRef>
+          <a:fontRef idx="minor">
+            <a:schemeClr val="lt1"/>
+          </a:fontRef>
+        </p:style>
+        <p:txBody>
+          <a:bodyPr rtlCol="0" anchor="ctr"/>
+          <a:lstStyle/>
+          <a:p>
+            <a:pPr algn="ctr"/>
+            <a:endParaRPr lang="en-US"/>
+          </a:p>
+        </p:txBody>
+      </p:sp>
+      <p:pic>
+        <p:nvPicPr>
+          <p:cNvPr id="87" name="Picture 86">
+            <a:extLst>
+              <a:ext uri="{FF2B5EF4-FFF2-40B4-BE49-F238E27FC236}">
+                <a16:creationId xmlns:a16="http://schemas.microsoft.com/office/drawing/2014/main" id="{42C044EF-31A9-F64B-9D63-2CE8437F430A}"/>
+              </a:ext>
+            </a:extLst>
+          </p:cNvPr>
+          <p:cNvPicPr>
+            <a:picLocks noChangeAspect="1"/>
+          </p:cNvPicPr>
+          <p:nvPr/>
+        </p:nvPicPr>
+        <p:blipFill>
+          <a:blip r:embed="rId16"/>
+          <a:stretch>
+            <a:fillRect/>
+          </a:stretch>
+        </p:blipFill>
+        <p:spPr>
+          <a:xfrm>
+            <a:off x="8555956" y="1379948"/>
+            <a:ext cx="368300" cy="330200"/>
           </a:xfrm>
           <a:prstGeom prst="rect">
             <a:avLst/>
@@ -5093,6 +5180,4355 @@
     <p:extLst>
       <p:ext uri="{BB962C8B-B14F-4D97-AF65-F5344CB8AC3E}">
         <p14:creationId xmlns:p14="http://schemas.microsoft.com/office/powerpoint/2010/main" val="3074002686"/>
+      </p:ext>
+    </p:extLst>
+  </p:cSld>
+  <p:clrMapOvr>
+    <a:masterClrMapping/>
+  </p:clrMapOvr>
+</p:sld>
+</file>
+
+<file path=ppt/slides/slide2.xml><?xml version="1.0" encoding="utf-8"?>
+<p:sld xmlns:a="http://schemas.openxmlformats.org/drawingml/2006/main" xmlns:r="http://schemas.openxmlformats.org/officeDocument/2006/relationships" xmlns:p="http://schemas.openxmlformats.org/presentationml/2006/main">
+  <p:cSld>
+    <p:spTree>
+      <p:nvGrpSpPr>
+        <p:cNvPr id="1" name=""/>
+        <p:cNvGrpSpPr/>
+        <p:nvPr/>
+      </p:nvGrpSpPr>
+      <p:grpSpPr>
+        <a:xfrm>
+          <a:off x="0" y="0"/>
+          <a:ext cx="0" cy="0"/>
+          <a:chOff x="0" y="0"/>
+          <a:chExt cx="0" cy="0"/>
+        </a:xfrm>
+      </p:grpSpPr>
+      <p:grpSp>
+        <p:nvGrpSpPr>
+          <p:cNvPr id="6" name="Group 5">
+            <a:extLst>
+              <a:ext uri="{FF2B5EF4-FFF2-40B4-BE49-F238E27FC236}">
+                <a16:creationId xmlns:a16="http://schemas.microsoft.com/office/drawing/2014/main" id="{320660B0-4B0F-9140-BD05-386C59433953}"/>
+              </a:ext>
+            </a:extLst>
+          </p:cNvPr>
+          <p:cNvGrpSpPr/>
+          <p:nvPr/>
+        </p:nvGrpSpPr>
+        <p:grpSpPr>
+          <a:xfrm>
+            <a:off x="7048471" y="1116678"/>
+            <a:ext cx="1297462" cy="692784"/>
+            <a:chOff x="6981565" y="2279419"/>
+            <a:chExt cx="1297462" cy="692784"/>
+          </a:xfrm>
+        </p:grpSpPr>
+        <p:sp>
+          <p:nvSpPr>
+            <p:cNvPr id="4" name="Rounded Rectangle 3">
+              <a:extLst>
+                <a:ext uri="{FF2B5EF4-FFF2-40B4-BE49-F238E27FC236}">
+                  <a16:creationId xmlns:a16="http://schemas.microsoft.com/office/drawing/2014/main" id="{8D6F4385-2080-7B41-ACBF-3E65D67FDFA5}"/>
+                </a:ext>
+              </a:extLst>
+            </p:cNvPr>
+            <p:cNvSpPr/>
+            <p:nvPr/>
+          </p:nvSpPr>
+          <p:spPr>
+            <a:xfrm>
+              <a:off x="6981565" y="2279419"/>
+              <a:ext cx="1297462" cy="692784"/>
+            </a:xfrm>
+            <a:prstGeom prst="roundRect">
+              <a:avLst/>
+            </a:prstGeom>
+            <a:noFill/>
+            <a:ln w="38100">
+              <a:solidFill>
+                <a:schemeClr val="tx1"/>
+              </a:solidFill>
+            </a:ln>
+            <a:effectLst/>
+          </p:spPr>
+          <p:style>
+            <a:lnRef idx="2">
+              <a:schemeClr val="accent1">
+                <a:shade val="50000"/>
+              </a:schemeClr>
+            </a:lnRef>
+            <a:fillRef idx="1">
+              <a:schemeClr val="accent1"/>
+            </a:fillRef>
+            <a:effectRef idx="0">
+              <a:schemeClr val="accent1"/>
+            </a:effectRef>
+            <a:fontRef idx="minor">
+              <a:schemeClr val="lt1"/>
+            </a:fontRef>
+          </p:style>
+          <p:txBody>
+            <a:bodyPr rtlCol="0" anchor="ctr"/>
+            <a:lstStyle/>
+            <a:p>
+              <a:pPr algn="ctr"/>
+              <a:endParaRPr lang="en-US"/>
+            </a:p>
+          </p:txBody>
+        </p:sp>
+        <p:pic>
+          <p:nvPicPr>
+            <p:cNvPr id="5" name="Picture 4">
+              <a:extLst>
+                <a:ext uri="{FF2B5EF4-FFF2-40B4-BE49-F238E27FC236}">
+                  <a16:creationId xmlns:a16="http://schemas.microsoft.com/office/drawing/2014/main" id="{052992D3-6E95-224D-A502-755802AC5D92}"/>
+                </a:ext>
+              </a:extLst>
+            </p:cNvPr>
+            <p:cNvPicPr>
+              <a:picLocks noChangeAspect="1"/>
+            </p:cNvPicPr>
+            <p:nvPr/>
+          </p:nvPicPr>
+          <p:blipFill>
+            <a:blip r:embed="rId2"/>
+            <a:stretch>
+              <a:fillRect/>
+            </a:stretch>
+          </p:blipFill>
+          <p:spPr>
+            <a:xfrm>
+              <a:off x="7173096" y="2409911"/>
+              <a:ext cx="914400" cy="431800"/>
+            </a:xfrm>
+            <a:prstGeom prst="rect">
+              <a:avLst/>
+            </a:prstGeom>
+          </p:spPr>
+        </p:pic>
+      </p:grpSp>
+      <p:grpSp>
+        <p:nvGrpSpPr>
+          <p:cNvPr id="9" name="Group 8">
+            <a:extLst>
+              <a:ext uri="{FF2B5EF4-FFF2-40B4-BE49-F238E27FC236}">
+                <a16:creationId xmlns:a16="http://schemas.microsoft.com/office/drawing/2014/main" id="{31F39AC2-0F54-8E4B-B182-5761850E1F3C}"/>
+              </a:ext>
+            </a:extLst>
+          </p:cNvPr>
+          <p:cNvGrpSpPr/>
+          <p:nvPr/>
+        </p:nvGrpSpPr>
+        <p:grpSpPr>
+          <a:xfrm>
+            <a:off x="4679944" y="2058406"/>
+            <a:ext cx="1297462" cy="692784"/>
+            <a:chOff x="5058030" y="3272078"/>
+            <a:chExt cx="1297462" cy="692784"/>
+          </a:xfrm>
+        </p:grpSpPr>
+        <p:sp>
+          <p:nvSpPr>
+            <p:cNvPr id="7" name="Rounded Rectangle 6">
+              <a:extLst>
+                <a:ext uri="{FF2B5EF4-FFF2-40B4-BE49-F238E27FC236}">
+                  <a16:creationId xmlns:a16="http://schemas.microsoft.com/office/drawing/2014/main" id="{FE2F7148-44C5-1D4C-A17C-30BFFA7FC0A8}"/>
+                </a:ext>
+              </a:extLst>
+            </p:cNvPr>
+            <p:cNvSpPr/>
+            <p:nvPr/>
+          </p:nvSpPr>
+          <p:spPr>
+            <a:xfrm>
+              <a:off x="5058030" y="3272078"/>
+              <a:ext cx="1297462" cy="692784"/>
+            </a:xfrm>
+            <a:prstGeom prst="roundRect">
+              <a:avLst/>
+            </a:prstGeom>
+            <a:noFill/>
+            <a:ln w="38100">
+              <a:solidFill>
+                <a:schemeClr val="tx1"/>
+              </a:solidFill>
+            </a:ln>
+            <a:effectLst/>
+          </p:spPr>
+          <p:style>
+            <a:lnRef idx="2">
+              <a:schemeClr val="accent1">
+                <a:shade val="50000"/>
+              </a:schemeClr>
+            </a:lnRef>
+            <a:fillRef idx="1">
+              <a:schemeClr val="accent1"/>
+            </a:fillRef>
+            <a:effectRef idx="0">
+              <a:schemeClr val="accent1"/>
+            </a:effectRef>
+            <a:fontRef idx="minor">
+              <a:schemeClr val="lt1"/>
+            </a:fontRef>
+          </p:style>
+          <p:txBody>
+            <a:bodyPr rtlCol="0" anchor="ctr"/>
+            <a:lstStyle/>
+            <a:p>
+              <a:pPr algn="ctr"/>
+              <a:endParaRPr lang="en-US"/>
+            </a:p>
+          </p:txBody>
+        </p:sp>
+        <p:pic>
+          <p:nvPicPr>
+            <p:cNvPr id="8" name="Picture 7">
+              <a:extLst>
+                <a:ext uri="{FF2B5EF4-FFF2-40B4-BE49-F238E27FC236}">
+                  <a16:creationId xmlns:a16="http://schemas.microsoft.com/office/drawing/2014/main" id="{8A5EE025-5FEB-B246-8672-11CC75A1BDD8}"/>
+                </a:ext>
+              </a:extLst>
+            </p:cNvPr>
+            <p:cNvPicPr>
+              <a:picLocks noChangeAspect="1"/>
+            </p:cNvPicPr>
+            <p:nvPr/>
+          </p:nvPicPr>
+          <p:blipFill>
+            <a:blip r:embed="rId3"/>
+            <a:stretch>
+              <a:fillRect/>
+            </a:stretch>
+          </p:blipFill>
+          <p:spPr>
+            <a:xfrm>
+              <a:off x="5230511" y="3402570"/>
+              <a:ext cx="952500" cy="431800"/>
+            </a:xfrm>
+            <a:prstGeom prst="rect">
+              <a:avLst/>
+            </a:prstGeom>
+          </p:spPr>
+        </p:pic>
+      </p:grpSp>
+      <p:grpSp>
+        <p:nvGrpSpPr>
+          <p:cNvPr id="12" name="Group 11">
+            <a:extLst>
+              <a:ext uri="{FF2B5EF4-FFF2-40B4-BE49-F238E27FC236}">
+                <a16:creationId xmlns:a16="http://schemas.microsoft.com/office/drawing/2014/main" id="{B3FA1BB1-600E-BC4A-BC5C-945D84CBDF1F}"/>
+              </a:ext>
+            </a:extLst>
+          </p:cNvPr>
+          <p:cNvGrpSpPr/>
+          <p:nvPr/>
+        </p:nvGrpSpPr>
+        <p:grpSpPr>
+          <a:xfrm>
+            <a:off x="6096000" y="1274614"/>
+            <a:ext cx="365760" cy="365760"/>
+            <a:chOff x="11331145" y="1667819"/>
+            <a:chExt cx="365760" cy="365760"/>
+          </a:xfrm>
+        </p:grpSpPr>
+        <p:sp>
+          <p:nvSpPr>
+            <p:cNvPr id="10" name="Oval 9">
+              <a:extLst>
+                <a:ext uri="{FF2B5EF4-FFF2-40B4-BE49-F238E27FC236}">
+                  <a16:creationId xmlns:a16="http://schemas.microsoft.com/office/drawing/2014/main" id="{148EE338-4EC0-A641-A8E3-6FED1A37F76B}"/>
+                </a:ext>
+              </a:extLst>
+            </p:cNvPr>
+            <p:cNvSpPr>
+              <a:spLocks/>
+            </p:cNvSpPr>
+            <p:nvPr/>
+          </p:nvSpPr>
+          <p:spPr>
+            <a:xfrm>
+              <a:off x="11331145" y="1667819"/>
+              <a:ext cx="365760" cy="365760"/>
+            </a:xfrm>
+            <a:prstGeom prst="ellipse">
+              <a:avLst/>
+            </a:prstGeom>
+            <a:noFill/>
+            <a:ln w="38100">
+              <a:solidFill>
+                <a:schemeClr val="tx1"/>
+              </a:solidFill>
+            </a:ln>
+          </p:spPr>
+          <p:style>
+            <a:lnRef idx="2">
+              <a:schemeClr val="accent1">
+                <a:shade val="50000"/>
+              </a:schemeClr>
+            </a:lnRef>
+            <a:fillRef idx="1">
+              <a:schemeClr val="accent1"/>
+            </a:fillRef>
+            <a:effectRef idx="0">
+              <a:schemeClr val="accent1"/>
+            </a:effectRef>
+            <a:fontRef idx="minor">
+              <a:schemeClr val="lt1"/>
+            </a:fontRef>
+          </p:style>
+          <p:txBody>
+            <a:bodyPr rtlCol="0" anchor="ctr"/>
+            <a:lstStyle/>
+            <a:p>
+              <a:pPr algn="ctr"/>
+              <a:endParaRPr lang="en-US" sz="2400" dirty="0">
+                <a:solidFill>
+                  <a:schemeClr val="tx1"/>
+                </a:solidFill>
+              </a:endParaRPr>
+            </a:p>
+          </p:txBody>
+        </p:sp>
+        <p:pic>
+          <p:nvPicPr>
+            <p:cNvPr id="11" name="Picture 10">
+              <a:extLst>
+                <a:ext uri="{FF2B5EF4-FFF2-40B4-BE49-F238E27FC236}">
+                  <a16:creationId xmlns:a16="http://schemas.microsoft.com/office/drawing/2014/main" id="{A50647DC-53AE-BB41-A804-2B0ACB72591E}"/>
+                </a:ext>
+              </a:extLst>
+            </p:cNvPr>
+            <p:cNvPicPr>
+              <a:picLocks noChangeAspect="1"/>
+            </p:cNvPicPr>
+            <p:nvPr/>
+          </p:nvPicPr>
+          <p:blipFill>
+            <a:blip r:embed="rId4"/>
+            <a:stretch>
+              <a:fillRect/>
+            </a:stretch>
+          </p:blipFill>
+          <p:spPr>
+            <a:xfrm>
+              <a:off x="11372776" y="1703100"/>
+              <a:ext cx="304800" cy="317500"/>
+            </a:xfrm>
+            <a:prstGeom prst="rect">
+              <a:avLst/>
+            </a:prstGeom>
+          </p:spPr>
+        </p:pic>
+      </p:grpSp>
+      <p:grpSp>
+        <p:nvGrpSpPr>
+          <p:cNvPr id="13" name="Group 12">
+            <a:extLst>
+              <a:ext uri="{FF2B5EF4-FFF2-40B4-BE49-F238E27FC236}">
+                <a16:creationId xmlns:a16="http://schemas.microsoft.com/office/drawing/2014/main" id="{4BAD03A9-C4BE-0548-A7E7-1C9463607D77}"/>
+              </a:ext>
+            </a:extLst>
+          </p:cNvPr>
+          <p:cNvGrpSpPr/>
+          <p:nvPr/>
+        </p:nvGrpSpPr>
+        <p:grpSpPr>
+          <a:xfrm>
+            <a:off x="3594409" y="1274614"/>
+            <a:ext cx="365760" cy="365760"/>
+            <a:chOff x="11331145" y="1667819"/>
+            <a:chExt cx="365760" cy="365760"/>
+          </a:xfrm>
+        </p:grpSpPr>
+        <p:sp>
+          <p:nvSpPr>
+            <p:cNvPr id="14" name="Oval 13">
+              <a:extLst>
+                <a:ext uri="{FF2B5EF4-FFF2-40B4-BE49-F238E27FC236}">
+                  <a16:creationId xmlns:a16="http://schemas.microsoft.com/office/drawing/2014/main" id="{1C50811E-B46B-A744-B319-C1205B55145C}"/>
+                </a:ext>
+              </a:extLst>
+            </p:cNvPr>
+            <p:cNvSpPr>
+              <a:spLocks/>
+            </p:cNvSpPr>
+            <p:nvPr/>
+          </p:nvSpPr>
+          <p:spPr>
+            <a:xfrm>
+              <a:off x="11331145" y="1667819"/>
+              <a:ext cx="365760" cy="365760"/>
+            </a:xfrm>
+            <a:prstGeom prst="ellipse">
+              <a:avLst/>
+            </a:prstGeom>
+            <a:noFill/>
+            <a:ln w="38100">
+              <a:solidFill>
+                <a:schemeClr val="tx1"/>
+              </a:solidFill>
+            </a:ln>
+          </p:spPr>
+          <p:style>
+            <a:lnRef idx="2">
+              <a:schemeClr val="accent1">
+                <a:shade val="50000"/>
+              </a:schemeClr>
+            </a:lnRef>
+            <a:fillRef idx="1">
+              <a:schemeClr val="accent1"/>
+            </a:fillRef>
+            <a:effectRef idx="0">
+              <a:schemeClr val="accent1"/>
+            </a:effectRef>
+            <a:fontRef idx="minor">
+              <a:schemeClr val="lt1"/>
+            </a:fontRef>
+          </p:style>
+          <p:txBody>
+            <a:bodyPr rtlCol="0" anchor="ctr"/>
+            <a:lstStyle/>
+            <a:p>
+              <a:pPr algn="ctr"/>
+              <a:endParaRPr lang="en-US" sz="2400" dirty="0">
+                <a:solidFill>
+                  <a:schemeClr val="tx1"/>
+                </a:solidFill>
+              </a:endParaRPr>
+            </a:p>
+          </p:txBody>
+        </p:sp>
+        <p:pic>
+          <p:nvPicPr>
+            <p:cNvPr id="15" name="Picture 14">
+              <a:extLst>
+                <a:ext uri="{FF2B5EF4-FFF2-40B4-BE49-F238E27FC236}">
+                  <a16:creationId xmlns:a16="http://schemas.microsoft.com/office/drawing/2014/main" id="{003CA5A5-20E1-AD43-9253-9423F43208D5}"/>
+                </a:ext>
+              </a:extLst>
+            </p:cNvPr>
+            <p:cNvPicPr>
+              <a:picLocks noChangeAspect="1"/>
+            </p:cNvPicPr>
+            <p:nvPr/>
+          </p:nvPicPr>
+          <p:blipFill>
+            <a:blip r:embed="rId4"/>
+            <a:stretch>
+              <a:fillRect/>
+            </a:stretch>
+          </p:blipFill>
+          <p:spPr>
+            <a:xfrm>
+              <a:off x="11372776" y="1703100"/>
+              <a:ext cx="304800" cy="317500"/>
+            </a:xfrm>
+            <a:prstGeom prst="rect">
+              <a:avLst/>
+            </a:prstGeom>
+          </p:spPr>
+        </p:pic>
+      </p:grpSp>
+      <p:grpSp>
+        <p:nvGrpSpPr>
+          <p:cNvPr id="27" name="Group 26">
+            <a:extLst>
+              <a:ext uri="{FF2B5EF4-FFF2-40B4-BE49-F238E27FC236}">
+                <a16:creationId xmlns:a16="http://schemas.microsoft.com/office/drawing/2014/main" id="{90313BE9-A593-2740-9354-FE39F64DD7B7}"/>
+              </a:ext>
+            </a:extLst>
+          </p:cNvPr>
+          <p:cNvGrpSpPr/>
+          <p:nvPr/>
+        </p:nvGrpSpPr>
+        <p:grpSpPr>
+          <a:xfrm>
+            <a:off x="7509985" y="2214520"/>
+            <a:ext cx="365760" cy="365760"/>
+            <a:chOff x="11331145" y="1667819"/>
+            <a:chExt cx="365760" cy="365760"/>
+          </a:xfrm>
+        </p:grpSpPr>
+        <p:sp>
+          <p:nvSpPr>
+            <p:cNvPr id="28" name="Oval 27">
+              <a:extLst>
+                <a:ext uri="{FF2B5EF4-FFF2-40B4-BE49-F238E27FC236}">
+                  <a16:creationId xmlns:a16="http://schemas.microsoft.com/office/drawing/2014/main" id="{B3CC4CCC-6FF3-B442-BC4B-4007287F9570}"/>
+                </a:ext>
+              </a:extLst>
+            </p:cNvPr>
+            <p:cNvSpPr>
+              <a:spLocks/>
+            </p:cNvSpPr>
+            <p:nvPr/>
+          </p:nvSpPr>
+          <p:spPr>
+            <a:xfrm>
+              <a:off x="11331145" y="1667819"/>
+              <a:ext cx="365760" cy="365760"/>
+            </a:xfrm>
+            <a:prstGeom prst="ellipse">
+              <a:avLst/>
+            </a:prstGeom>
+            <a:noFill/>
+            <a:ln w="38100">
+              <a:solidFill>
+                <a:schemeClr val="tx1"/>
+              </a:solidFill>
+            </a:ln>
+          </p:spPr>
+          <p:style>
+            <a:lnRef idx="2">
+              <a:schemeClr val="accent1">
+                <a:shade val="50000"/>
+              </a:schemeClr>
+            </a:lnRef>
+            <a:fillRef idx="1">
+              <a:schemeClr val="accent1"/>
+            </a:fillRef>
+            <a:effectRef idx="0">
+              <a:schemeClr val="accent1"/>
+            </a:effectRef>
+            <a:fontRef idx="minor">
+              <a:schemeClr val="lt1"/>
+            </a:fontRef>
+          </p:style>
+          <p:txBody>
+            <a:bodyPr rtlCol="0" anchor="ctr"/>
+            <a:lstStyle/>
+            <a:p>
+              <a:pPr algn="ctr"/>
+              <a:endParaRPr lang="en-US" sz="2400" dirty="0">
+                <a:solidFill>
+                  <a:schemeClr val="tx1"/>
+                </a:solidFill>
+              </a:endParaRPr>
+            </a:p>
+          </p:txBody>
+        </p:sp>
+        <p:pic>
+          <p:nvPicPr>
+            <p:cNvPr id="29" name="Picture 28">
+              <a:extLst>
+                <a:ext uri="{FF2B5EF4-FFF2-40B4-BE49-F238E27FC236}">
+                  <a16:creationId xmlns:a16="http://schemas.microsoft.com/office/drawing/2014/main" id="{0DA2C393-3CFD-AC4B-B3BC-CE53E8FA4750}"/>
+                </a:ext>
+              </a:extLst>
+            </p:cNvPr>
+            <p:cNvPicPr>
+              <a:picLocks noChangeAspect="1"/>
+            </p:cNvPicPr>
+            <p:nvPr/>
+          </p:nvPicPr>
+          <p:blipFill>
+            <a:blip r:embed="rId4"/>
+            <a:stretch>
+              <a:fillRect/>
+            </a:stretch>
+          </p:blipFill>
+          <p:spPr>
+            <a:xfrm>
+              <a:off x="11372776" y="1703100"/>
+              <a:ext cx="304800" cy="317500"/>
+            </a:xfrm>
+            <a:prstGeom prst="rect">
+              <a:avLst/>
+            </a:prstGeom>
+          </p:spPr>
+        </p:pic>
+      </p:grpSp>
+      <p:cxnSp>
+        <p:nvCxnSpPr>
+          <p:cNvPr id="31" name="Straight Arrow Connector 30">
+            <a:extLst>
+              <a:ext uri="{FF2B5EF4-FFF2-40B4-BE49-F238E27FC236}">
+                <a16:creationId xmlns:a16="http://schemas.microsoft.com/office/drawing/2014/main" id="{52DBEC03-CCFF-0048-BBC0-F50917C0E4C1}"/>
+              </a:ext>
+            </a:extLst>
+          </p:cNvPr>
+          <p:cNvCxnSpPr>
+            <a:cxnSpLocks/>
+            <a:endCxn id="14" idx="2"/>
+          </p:cNvCxnSpPr>
+          <p:nvPr/>
+        </p:nvCxnSpPr>
+        <p:spPr>
+          <a:xfrm flipV="1">
+            <a:off x="3155795" y="1457494"/>
+            <a:ext cx="438614" cy="5576"/>
+          </a:xfrm>
+          <a:prstGeom prst="straightConnector1">
+            <a:avLst/>
+          </a:prstGeom>
+          <a:ln w="38100">
+            <a:solidFill>
+              <a:srgbClr val="FF0000"/>
+            </a:solidFill>
+            <a:tailEnd type="triangle"/>
+          </a:ln>
+        </p:spPr>
+        <p:style>
+          <a:lnRef idx="1">
+            <a:schemeClr val="accent1"/>
+          </a:lnRef>
+          <a:fillRef idx="0">
+            <a:schemeClr val="accent1"/>
+          </a:fillRef>
+          <a:effectRef idx="0">
+            <a:schemeClr val="accent1"/>
+          </a:effectRef>
+          <a:fontRef idx="minor">
+            <a:schemeClr val="tx1"/>
+          </a:fontRef>
+        </p:style>
+      </p:cxnSp>
+      <p:cxnSp>
+        <p:nvCxnSpPr>
+          <p:cNvPr id="34" name="Straight Arrow Connector 33">
+            <a:extLst>
+              <a:ext uri="{FF2B5EF4-FFF2-40B4-BE49-F238E27FC236}">
+                <a16:creationId xmlns:a16="http://schemas.microsoft.com/office/drawing/2014/main" id="{0F162903-5054-9B4C-9BB0-49D46F450FF8}"/>
+              </a:ext>
+            </a:extLst>
+          </p:cNvPr>
+          <p:cNvCxnSpPr>
+            <a:cxnSpLocks/>
+          </p:cNvCxnSpPr>
+          <p:nvPr/>
+        </p:nvCxnSpPr>
+        <p:spPr>
+          <a:xfrm>
+            <a:off x="6267729" y="789909"/>
+            <a:ext cx="0" cy="479130"/>
+          </a:xfrm>
+          <a:prstGeom prst="straightConnector1">
+            <a:avLst/>
+          </a:prstGeom>
+          <a:ln w="38100">
+            <a:solidFill>
+              <a:srgbClr val="FF0000"/>
+            </a:solidFill>
+            <a:tailEnd type="triangle"/>
+          </a:ln>
+        </p:spPr>
+        <p:style>
+          <a:lnRef idx="1">
+            <a:schemeClr val="accent1"/>
+          </a:lnRef>
+          <a:fillRef idx="0">
+            <a:schemeClr val="accent1"/>
+          </a:fillRef>
+          <a:effectRef idx="0">
+            <a:schemeClr val="accent1"/>
+          </a:effectRef>
+          <a:fontRef idx="minor">
+            <a:schemeClr val="tx1"/>
+          </a:fontRef>
+        </p:style>
+      </p:cxnSp>
+      <p:cxnSp>
+        <p:nvCxnSpPr>
+          <p:cNvPr id="37" name="Straight Arrow Connector 36">
+            <a:extLst>
+              <a:ext uri="{FF2B5EF4-FFF2-40B4-BE49-F238E27FC236}">
+                <a16:creationId xmlns:a16="http://schemas.microsoft.com/office/drawing/2014/main" id="{95871239-ED62-8B49-BD40-7D813E736CB0}"/>
+              </a:ext>
+            </a:extLst>
+          </p:cNvPr>
+          <p:cNvCxnSpPr>
+            <a:cxnSpLocks/>
+            <a:stCxn id="41" idx="1"/>
+            <a:endCxn id="29" idx="3"/>
+          </p:cNvCxnSpPr>
+          <p:nvPr/>
+        </p:nvCxnSpPr>
+        <p:spPr>
+          <a:xfrm flipH="1" flipV="1">
+            <a:off x="7856416" y="2408551"/>
+            <a:ext cx="728411" cy="1770"/>
+          </a:xfrm>
+          <a:prstGeom prst="straightConnector1">
+            <a:avLst/>
+          </a:prstGeom>
+          <a:ln w="38100">
+            <a:solidFill>
+              <a:srgbClr val="FF0000"/>
+            </a:solidFill>
+            <a:tailEnd type="triangle"/>
+          </a:ln>
+        </p:spPr>
+        <p:style>
+          <a:lnRef idx="1">
+            <a:schemeClr val="accent1"/>
+          </a:lnRef>
+          <a:fillRef idx="0">
+            <a:schemeClr val="accent1"/>
+          </a:fillRef>
+          <a:effectRef idx="0">
+            <a:schemeClr val="accent1"/>
+          </a:effectRef>
+          <a:fontRef idx="minor">
+            <a:schemeClr val="tx1"/>
+          </a:fontRef>
+        </p:style>
+      </p:cxnSp>
+      <p:pic>
+        <p:nvPicPr>
+          <p:cNvPr id="39" name="Picture 38">
+            <a:extLst>
+              <a:ext uri="{FF2B5EF4-FFF2-40B4-BE49-F238E27FC236}">
+                <a16:creationId xmlns:a16="http://schemas.microsoft.com/office/drawing/2014/main" id="{6695FDD7-61AE-FC4F-BF61-D43B30171BE4}"/>
+              </a:ext>
+            </a:extLst>
+          </p:cNvPr>
+          <p:cNvPicPr>
+            <a:picLocks noChangeAspect="1"/>
+          </p:cNvPicPr>
+          <p:nvPr/>
+        </p:nvPicPr>
+        <p:blipFill>
+          <a:blip r:embed="rId5"/>
+          <a:stretch>
+            <a:fillRect/>
+          </a:stretch>
+        </p:blipFill>
+        <p:spPr>
+          <a:xfrm>
+            <a:off x="5899429" y="449656"/>
+            <a:ext cx="736600" cy="342900"/>
+          </a:xfrm>
+          <a:prstGeom prst="rect">
+            <a:avLst/>
+          </a:prstGeom>
+        </p:spPr>
+      </p:pic>
+      <p:pic>
+        <p:nvPicPr>
+          <p:cNvPr id="40" name="Picture 39">
+            <a:extLst>
+              <a:ext uri="{FF2B5EF4-FFF2-40B4-BE49-F238E27FC236}">
+                <a16:creationId xmlns:a16="http://schemas.microsoft.com/office/drawing/2014/main" id="{6BD96A1D-BF0A-A740-952F-1A756BE781D5}"/>
+              </a:ext>
+            </a:extLst>
+          </p:cNvPr>
+          <p:cNvPicPr>
+            <a:picLocks noChangeAspect="1"/>
+          </p:cNvPicPr>
+          <p:nvPr/>
+        </p:nvPicPr>
+        <p:blipFill>
+          <a:blip r:embed="rId6"/>
+          <a:stretch>
+            <a:fillRect/>
+          </a:stretch>
+        </p:blipFill>
+        <p:spPr>
+          <a:xfrm>
+            <a:off x="2729830" y="1290071"/>
+            <a:ext cx="330200" cy="368300"/>
+          </a:xfrm>
+          <a:prstGeom prst="rect">
+            <a:avLst/>
+          </a:prstGeom>
+        </p:spPr>
+      </p:pic>
+      <p:pic>
+        <p:nvPicPr>
+          <p:cNvPr id="41" name="Picture 40">
+            <a:extLst>
+              <a:ext uri="{FF2B5EF4-FFF2-40B4-BE49-F238E27FC236}">
+                <a16:creationId xmlns:a16="http://schemas.microsoft.com/office/drawing/2014/main" id="{93F6A103-1D2D-C147-8D54-AECD76F1E64D}"/>
+              </a:ext>
+            </a:extLst>
+          </p:cNvPr>
+          <p:cNvPicPr>
+            <a:picLocks noChangeAspect="1"/>
+          </p:cNvPicPr>
+          <p:nvPr/>
+        </p:nvPicPr>
+        <p:blipFill>
+          <a:blip r:embed="rId7"/>
+          <a:stretch>
+            <a:fillRect/>
+          </a:stretch>
+        </p:blipFill>
+        <p:spPr>
+          <a:xfrm>
+            <a:off x="8584827" y="2251571"/>
+            <a:ext cx="355600" cy="317500"/>
+          </a:xfrm>
+          <a:prstGeom prst="rect">
+            <a:avLst/>
+          </a:prstGeom>
+        </p:spPr>
+      </p:pic>
+      <p:cxnSp>
+        <p:nvCxnSpPr>
+          <p:cNvPr id="43" name="Straight Arrow Connector 42">
+            <a:extLst>
+              <a:ext uri="{FF2B5EF4-FFF2-40B4-BE49-F238E27FC236}">
+                <a16:creationId xmlns:a16="http://schemas.microsoft.com/office/drawing/2014/main" id="{1FBC2C45-B678-A44E-8C2D-27CC53091DDC}"/>
+              </a:ext>
+            </a:extLst>
+          </p:cNvPr>
+          <p:cNvCxnSpPr>
+            <a:stCxn id="10" idx="2"/>
+            <a:endCxn id="15" idx="3"/>
+          </p:cNvCxnSpPr>
+          <p:nvPr/>
+        </p:nvCxnSpPr>
+        <p:spPr>
+          <a:xfrm flipH="1">
+            <a:off x="3940840" y="1457494"/>
+            <a:ext cx="2155160" cy="11151"/>
+          </a:xfrm>
+          <a:prstGeom prst="straightConnector1">
+            <a:avLst/>
+          </a:prstGeom>
+          <a:ln w="38100">
+            <a:solidFill>
+              <a:schemeClr val="tx1"/>
+            </a:solidFill>
+            <a:tailEnd type="triangle"/>
+          </a:ln>
+        </p:spPr>
+        <p:style>
+          <a:lnRef idx="1">
+            <a:schemeClr val="accent1"/>
+          </a:lnRef>
+          <a:fillRef idx="0">
+            <a:schemeClr val="accent1"/>
+          </a:fillRef>
+          <a:effectRef idx="0">
+            <a:schemeClr val="accent1"/>
+          </a:effectRef>
+          <a:fontRef idx="minor">
+            <a:schemeClr val="tx1"/>
+          </a:fontRef>
+        </p:style>
+      </p:cxnSp>
+      <p:cxnSp>
+        <p:nvCxnSpPr>
+          <p:cNvPr id="44" name="Straight Arrow Connector 43">
+            <a:extLst>
+              <a:ext uri="{FF2B5EF4-FFF2-40B4-BE49-F238E27FC236}">
+                <a16:creationId xmlns:a16="http://schemas.microsoft.com/office/drawing/2014/main" id="{81EFCA43-16CF-8F47-9235-3EC752C6F09D}"/>
+              </a:ext>
+            </a:extLst>
+          </p:cNvPr>
+          <p:cNvCxnSpPr>
+            <a:cxnSpLocks/>
+            <a:stCxn id="4" idx="1"/>
+            <a:endCxn id="11" idx="3"/>
+          </p:cNvCxnSpPr>
+          <p:nvPr/>
+        </p:nvCxnSpPr>
+        <p:spPr>
+          <a:xfrm flipH="1">
+            <a:off x="6442431" y="1463070"/>
+            <a:ext cx="606040" cy="5575"/>
+          </a:xfrm>
+          <a:prstGeom prst="straightConnector1">
+            <a:avLst/>
+          </a:prstGeom>
+          <a:ln w="38100">
+            <a:solidFill>
+              <a:schemeClr val="tx1"/>
+            </a:solidFill>
+            <a:tailEnd type="triangle"/>
+          </a:ln>
+        </p:spPr>
+        <p:style>
+          <a:lnRef idx="1">
+            <a:schemeClr val="accent1"/>
+          </a:lnRef>
+          <a:fillRef idx="0">
+            <a:schemeClr val="accent1"/>
+          </a:fillRef>
+          <a:effectRef idx="0">
+            <a:schemeClr val="accent1"/>
+          </a:effectRef>
+          <a:fontRef idx="minor">
+            <a:schemeClr val="tx1"/>
+          </a:fontRef>
+        </p:style>
+      </p:cxnSp>
+      <p:cxnSp>
+        <p:nvCxnSpPr>
+          <p:cNvPr id="48" name="Elbow Connector 47">
+            <a:extLst>
+              <a:ext uri="{FF2B5EF4-FFF2-40B4-BE49-F238E27FC236}">
+                <a16:creationId xmlns:a16="http://schemas.microsoft.com/office/drawing/2014/main" id="{BE57766A-DC09-2741-A439-9F0C499611D7}"/>
+              </a:ext>
+            </a:extLst>
+          </p:cNvPr>
+          <p:cNvCxnSpPr>
+            <a:cxnSpLocks/>
+            <a:endCxn id="7" idx="1"/>
+          </p:cNvCxnSpPr>
+          <p:nvPr/>
+        </p:nvCxnSpPr>
+        <p:spPr>
+          <a:xfrm rot="16200000" flipH="1">
+            <a:off x="3995136" y="1719989"/>
+            <a:ext cx="1000581" cy="369035"/>
+          </a:xfrm>
+          <a:prstGeom prst="bentConnector2">
+            <a:avLst/>
+          </a:prstGeom>
+          <a:ln w="38100">
+            <a:solidFill>
+              <a:schemeClr val="tx1"/>
+            </a:solidFill>
+            <a:tailEnd type="triangle"/>
+          </a:ln>
+        </p:spPr>
+        <p:style>
+          <a:lnRef idx="1">
+            <a:schemeClr val="accent1"/>
+          </a:lnRef>
+          <a:fillRef idx="0">
+            <a:schemeClr val="accent1"/>
+          </a:fillRef>
+          <a:effectRef idx="0">
+            <a:schemeClr val="accent1"/>
+          </a:effectRef>
+          <a:fontRef idx="minor">
+            <a:schemeClr val="tx1"/>
+          </a:fontRef>
+        </p:style>
+      </p:cxnSp>
+      <p:cxnSp>
+        <p:nvCxnSpPr>
+          <p:cNvPr id="49" name="Elbow Connector 48">
+            <a:extLst>
+              <a:ext uri="{FF2B5EF4-FFF2-40B4-BE49-F238E27FC236}">
+                <a16:creationId xmlns:a16="http://schemas.microsoft.com/office/drawing/2014/main" id="{F091466D-3FD6-4E43-9B3F-0C1A90FC091B}"/>
+              </a:ext>
+            </a:extLst>
+          </p:cNvPr>
+          <p:cNvCxnSpPr>
+            <a:cxnSpLocks/>
+            <a:stCxn id="7" idx="3"/>
+            <a:endCxn id="10" idx="4"/>
+          </p:cNvCxnSpPr>
+          <p:nvPr/>
+        </p:nvCxnSpPr>
+        <p:spPr>
+          <a:xfrm flipV="1">
+            <a:off x="5977406" y="1640374"/>
+            <a:ext cx="301474" cy="764424"/>
+          </a:xfrm>
+          <a:prstGeom prst="bentConnector2">
+            <a:avLst/>
+          </a:prstGeom>
+          <a:ln w="38100">
+            <a:solidFill>
+              <a:schemeClr val="tx1"/>
+            </a:solidFill>
+            <a:tailEnd type="triangle"/>
+          </a:ln>
+        </p:spPr>
+        <p:style>
+          <a:lnRef idx="1">
+            <a:schemeClr val="accent1"/>
+          </a:lnRef>
+          <a:fillRef idx="0">
+            <a:schemeClr val="accent1"/>
+          </a:fillRef>
+          <a:effectRef idx="0">
+            <a:schemeClr val="accent1"/>
+          </a:effectRef>
+          <a:fontRef idx="minor">
+            <a:schemeClr val="tx1"/>
+          </a:fontRef>
+        </p:style>
+      </p:cxnSp>
+      <p:pic>
+        <p:nvPicPr>
+          <p:cNvPr id="53" name="Picture 52">
+            <a:extLst>
+              <a:ext uri="{FF2B5EF4-FFF2-40B4-BE49-F238E27FC236}">
+                <a16:creationId xmlns:a16="http://schemas.microsoft.com/office/drawing/2014/main" id="{1C56BAFF-FF5B-DC4E-9789-53C8008FDD4F}"/>
+              </a:ext>
+            </a:extLst>
+          </p:cNvPr>
+          <p:cNvPicPr>
+            <a:picLocks noChangeAspect="1"/>
+          </p:cNvPicPr>
+          <p:nvPr/>
+        </p:nvPicPr>
+        <p:blipFill>
+          <a:blip r:embed="rId8"/>
+          <a:stretch>
+            <a:fillRect/>
+          </a:stretch>
+        </p:blipFill>
+        <p:spPr>
+          <a:xfrm>
+            <a:off x="5227075" y="1192466"/>
+            <a:ext cx="203200" cy="165100"/>
+          </a:xfrm>
+          <a:prstGeom prst="rect">
+            <a:avLst/>
+          </a:prstGeom>
+        </p:spPr>
+      </p:pic>
+      <p:cxnSp>
+        <p:nvCxnSpPr>
+          <p:cNvPr id="56" name="Elbow Connector 55">
+            <a:extLst>
+              <a:ext uri="{FF2B5EF4-FFF2-40B4-BE49-F238E27FC236}">
+                <a16:creationId xmlns:a16="http://schemas.microsoft.com/office/drawing/2014/main" id="{8BE720EC-6B6D-E846-BDB9-DEE501A9CE38}"/>
+              </a:ext>
+            </a:extLst>
+          </p:cNvPr>
+          <p:cNvCxnSpPr>
+            <a:cxnSpLocks/>
+            <a:stCxn id="14" idx="4"/>
+            <a:endCxn id="83" idx="1"/>
+          </p:cNvCxnSpPr>
+          <p:nvPr/>
+        </p:nvCxnSpPr>
+        <p:spPr>
+          <a:xfrm rot="16200000" flipH="1">
+            <a:off x="3373566" y="2044097"/>
+            <a:ext cx="1708649" cy="901202"/>
+          </a:xfrm>
+          <a:prstGeom prst="bentConnector2">
+            <a:avLst/>
+          </a:prstGeom>
+          <a:ln w="38100">
+            <a:solidFill>
+              <a:schemeClr val="tx1"/>
+            </a:solidFill>
+            <a:tailEnd type="triangle"/>
+          </a:ln>
+        </p:spPr>
+        <p:style>
+          <a:lnRef idx="1">
+            <a:schemeClr val="accent1"/>
+          </a:lnRef>
+          <a:fillRef idx="0">
+            <a:schemeClr val="accent1"/>
+          </a:fillRef>
+          <a:effectRef idx="0">
+            <a:schemeClr val="accent1"/>
+          </a:effectRef>
+          <a:fontRef idx="minor">
+            <a:schemeClr val="tx1"/>
+          </a:fontRef>
+        </p:style>
+      </p:cxnSp>
+      <p:cxnSp>
+        <p:nvCxnSpPr>
+          <p:cNvPr id="79" name="Straight Arrow Connector 78">
+            <a:extLst>
+              <a:ext uri="{FF2B5EF4-FFF2-40B4-BE49-F238E27FC236}">
+                <a16:creationId xmlns:a16="http://schemas.microsoft.com/office/drawing/2014/main" id="{B5F07146-5547-3748-9751-6C9080EF9421}"/>
+              </a:ext>
+            </a:extLst>
+          </p:cNvPr>
+          <p:cNvCxnSpPr>
+            <a:cxnSpLocks/>
+            <a:stCxn id="28" idx="0"/>
+            <a:endCxn id="4" idx="2"/>
+          </p:cNvCxnSpPr>
+          <p:nvPr/>
+        </p:nvCxnSpPr>
+        <p:spPr>
+          <a:xfrm flipV="1">
+            <a:off x="7692865" y="1809462"/>
+            <a:ext cx="4337" cy="405058"/>
+          </a:xfrm>
+          <a:prstGeom prst="straightConnector1">
+            <a:avLst/>
+          </a:prstGeom>
+          <a:ln w="38100">
+            <a:solidFill>
+              <a:schemeClr val="tx1"/>
+            </a:solidFill>
+            <a:tailEnd type="triangle"/>
+          </a:ln>
+        </p:spPr>
+        <p:style>
+          <a:lnRef idx="1">
+            <a:schemeClr val="accent1"/>
+          </a:lnRef>
+          <a:fillRef idx="0">
+            <a:schemeClr val="accent1"/>
+          </a:fillRef>
+          <a:effectRef idx="0">
+            <a:schemeClr val="accent1"/>
+          </a:effectRef>
+          <a:fontRef idx="minor">
+            <a:schemeClr val="tx1"/>
+          </a:fontRef>
+        </p:style>
+      </p:cxnSp>
+      <p:pic>
+        <p:nvPicPr>
+          <p:cNvPr id="82" name="Picture 81">
+            <a:extLst>
+              <a:ext uri="{FF2B5EF4-FFF2-40B4-BE49-F238E27FC236}">
+                <a16:creationId xmlns:a16="http://schemas.microsoft.com/office/drawing/2014/main" id="{94FF12E3-F3FD-3C4A-8CF2-5207A965E6D7}"/>
+              </a:ext>
+            </a:extLst>
+          </p:cNvPr>
+          <p:cNvPicPr>
+            <a:picLocks noChangeAspect="1"/>
+          </p:cNvPicPr>
+          <p:nvPr/>
+        </p:nvPicPr>
+        <p:blipFill>
+          <a:blip r:embed="rId9"/>
+          <a:stretch>
+            <a:fillRect/>
+          </a:stretch>
+        </p:blipFill>
+        <p:spPr>
+          <a:xfrm>
+            <a:off x="7748466" y="1990903"/>
+            <a:ext cx="215900" cy="177800"/>
+          </a:xfrm>
+          <a:prstGeom prst="rect">
+            <a:avLst/>
+          </a:prstGeom>
+        </p:spPr>
+      </p:pic>
+      <p:pic>
+        <p:nvPicPr>
+          <p:cNvPr id="84" name="Picture 83">
+            <a:extLst>
+              <a:ext uri="{FF2B5EF4-FFF2-40B4-BE49-F238E27FC236}">
+                <a16:creationId xmlns:a16="http://schemas.microsoft.com/office/drawing/2014/main" id="{B687148C-CD5A-3E46-AC9D-2EEE0D3D544D}"/>
+              </a:ext>
+            </a:extLst>
+          </p:cNvPr>
+          <p:cNvPicPr>
+            <a:picLocks noChangeAspect="1"/>
+          </p:cNvPicPr>
+          <p:nvPr/>
+        </p:nvPicPr>
+        <p:blipFill>
+          <a:blip r:embed="rId10"/>
+          <a:stretch>
+            <a:fillRect/>
+          </a:stretch>
+        </p:blipFill>
+        <p:spPr>
+          <a:xfrm>
+            <a:off x="3507752" y="2214520"/>
+            <a:ext cx="203200" cy="241300"/>
+          </a:xfrm>
+          <a:prstGeom prst="rect">
+            <a:avLst/>
+          </a:prstGeom>
+        </p:spPr>
+      </p:pic>
+      <p:grpSp>
+        <p:nvGrpSpPr>
+          <p:cNvPr id="2" name="Group 1">
+            <a:extLst>
+              <a:ext uri="{FF2B5EF4-FFF2-40B4-BE49-F238E27FC236}">
+                <a16:creationId xmlns:a16="http://schemas.microsoft.com/office/drawing/2014/main" id="{C75F46CE-06E0-B243-A173-C5F0B75C0966}"/>
+              </a:ext>
+            </a:extLst>
+          </p:cNvPr>
+          <p:cNvGrpSpPr/>
+          <p:nvPr/>
+        </p:nvGrpSpPr>
+        <p:grpSpPr>
+          <a:xfrm>
+            <a:off x="4678491" y="3006991"/>
+            <a:ext cx="1298916" cy="684063"/>
+            <a:chOff x="4829228" y="2928939"/>
+            <a:chExt cx="1298916" cy="684063"/>
+          </a:xfrm>
+        </p:grpSpPr>
+        <p:sp>
+          <p:nvSpPr>
+            <p:cNvPr id="83" name="Rounded Rectangle 82">
+              <a:extLst>
+                <a:ext uri="{FF2B5EF4-FFF2-40B4-BE49-F238E27FC236}">
+                  <a16:creationId xmlns:a16="http://schemas.microsoft.com/office/drawing/2014/main" id="{9C0D0429-AE89-E74D-B632-9FC66B757B36}"/>
+                </a:ext>
+              </a:extLst>
+            </p:cNvPr>
+            <p:cNvSpPr/>
+            <p:nvPr/>
+          </p:nvSpPr>
+          <p:spPr>
+            <a:xfrm>
+              <a:off x="4829228" y="2928939"/>
+              <a:ext cx="1298916" cy="684063"/>
+            </a:xfrm>
+            <a:prstGeom prst="roundRect">
+              <a:avLst/>
+            </a:prstGeom>
+            <a:noFill/>
+            <a:ln w="38100">
+              <a:solidFill>
+                <a:srgbClr val="0432FF"/>
+              </a:solidFill>
+              <a:prstDash val="solid"/>
+            </a:ln>
+            <a:effectLst/>
+          </p:spPr>
+          <p:style>
+            <a:lnRef idx="2">
+              <a:schemeClr val="accent1">
+                <a:shade val="50000"/>
+              </a:schemeClr>
+            </a:lnRef>
+            <a:fillRef idx="1">
+              <a:schemeClr val="accent1"/>
+            </a:fillRef>
+            <a:effectRef idx="0">
+              <a:schemeClr val="accent1"/>
+            </a:effectRef>
+            <a:fontRef idx="minor">
+              <a:schemeClr val="lt1"/>
+            </a:fontRef>
+          </p:style>
+          <p:txBody>
+            <a:bodyPr rtlCol="0" anchor="ctr"/>
+            <a:lstStyle/>
+            <a:p>
+              <a:pPr algn="ctr"/>
+              <a:endParaRPr lang="en-US"/>
+            </a:p>
+          </p:txBody>
+        </p:sp>
+        <p:pic>
+          <p:nvPicPr>
+            <p:cNvPr id="85" name="Picture 84">
+              <a:extLst>
+                <a:ext uri="{FF2B5EF4-FFF2-40B4-BE49-F238E27FC236}">
+                  <a16:creationId xmlns:a16="http://schemas.microsoft.com/office/drawing/2014/main" id="{5EB1B404-83B5-7E47-A648-F86E1FFE4E4B}"/>
+                </a:ext>
+              </a:extLst>
+            </p:cNvPr>
+            <p:cNvPicPr>
+              <a:picLocks noChangeAspect="1"/>
+            </p:cNvPicPr>
+            <p:nvPr/>
+          </p:nvPicPr>
+          <p:blipFill>
+            <a:blip r:embed="rId11"/>
+            <a:stretch>
+              <a:fillRect/>
+            </a:stretch>
+          </p:blipFill>
+          <p:spPr>
+            <a:xfrm>
+              <a:off x="5264896" y="3104149"/>
+              <a:ext cx="444500" cy="317500"/>
+            </a:xfrm>
+            <a:prstGeom prst="rect">
+              <a:avLst/>
+            </a:prstGeom>
+            <a:ln>
+              <a:noFill/>
+              <a:prstDash val="solid"/>
+            </a:ln>
+          </p:spPr>
+        </p:pic>
+      </p:grpSp>
+      <p:sp>
+        <p:nvSpPr>
+          <p:cNvPr id="86" name="Rounded Rectangle 85">
+            <a:extLst>
+              <a:ext uri="{FF2B5EF4-FFF2-40B4-BE49-F238E27FC236}">
+                <a16:creationId xmlns:a16="http://schemas.microsoft.com/office/drawing/2014/main" id="{C6101CDB-9AEB-7B4B-8DD7-B542B270EAC6}"/>
+              </a:ext>
+            </a:extLst>
+          </p:cNvPr>
+          <p:cNvSpPr/>
+          <p:nvPr/>
+        </p:nvSpPr>
+        <p:spPr>
+          <a:xfrm>
+            <a:off x="4093240" y="1023466"/>
+            <a:ext cx="4350890" cy="1805545"/>
+          </a:xfrm>
+          <a:prstGeom prst="roundRect">
+            <a:avLst/>
+          </a:prstGeom>
+          <a:noFill/>
+          <a:ln w="38100">
+            <a:solidFill>
+              <a:srgbClr val="FF0000"/>
+            </a:solidFill>
+            <a:prstDash val="dash"/>
+          </a:ln>
+          <a:effectLst/>
+        </p:spPr>
+        <p:style>
+          <a:lnRef idx="2">
+            <a:schemeClr val="accent1">
+              <a:shade val="50000"/>
+            </a:schemeClr>
+          </a:lnRef>
+          <a:fillRef idx="1">
+            <a:schemeClr val="accent1"/>
+          </a:fillRef>
+          <a:effectRef idx="0">
+            <a:schemeClr val="accent1"/>
+          </a:effectRef>
+          <a:fontRef idx="minor">
+            <a:schemeClr val="lt1"/>
+          </a:fontRef>
+        </p:style>
+        <p:txBody>
+          <a:bodyPr rtlCol="0" anchor="ctr"/>
+          <a:lstStyle/>
+          <a:p>
+            <a:pPr algn="ctr"/>
+            <a:endParaRPr lang="en-US"/>
+          </a:p>
+        </p:txBody>
+      </p:sp>
+      <p:pic>
+        <p:nvPicPr>
+          <p:cNvPr id="87" name="Picture 86">
+            <a:extLst>
+              <a:ext uri="{FF2B5EF4-FFF2-40B4-BE49-F238E27FC236}">
+                <a16:creationId xmlns:a16="http://schemas.microsoft.com/office/drawing/2014/main" id="{42C044EF-31A9-F64B-9D63-2CE8437F430A}"/>
+              </a:ext>
+            </a:extLst>
+          </p:cNvPr>
+          <p:cNvPicPr>
+            <a:picLocks noChangeAspect="1"/>
+          </p:cNvPicPr>
+          <p:nvPr/>
+        </p:nvPicPr>
+        <p:blipFill>
+          <a:blip r:embed="rId12"/>
+          <a:stretch>
+            <a:fillRect/>
+          </a:stretch>
+        </p:blipFill>
+        <p:spPr>
+          <a:xfrm>
+            <a:off x="8555956" y="1379948"/>
+            <a:ext cx="368300" cy="330200"/>
+          </a:xfrm>
+          <a:prstGeom prst="rect">
+            <a:avLst/>
+          </a:prstGeom>
+        </p:spPr>
+      </p:pic>
+      <p:sp>
+        <p:nvSpPr>
+          <p:cNvPr id="3" name="Arc 2">
+            <a:extLst>
+              <a:ext uri="{FF2B5EF4-FFF2-40B4-BE49-F238E27FC236}">
+                <a16:creationId xmlns:a16="http://schemas.microsoft.com/office/drawing/2014/main" id="{C2A87D1D-CA36-BA4E-A200-757E56158D60}"/>
+              </a:ext>
+            </a:extLst>
+          </p:cNvPr>
+          <p:cNvSpPr/>
+          <p:nvPr/>
+        </p:nvSpPr>
+        <p:spPr>
+          <a:xfrm rot="15734671">
+            <a:off x="5604682" y="3167664"/>
+            <a:ext cx="806609" cy="927507"/>
+          </a:xfrm>
+          <a:prstGeom prst="arc">
+            <a:avLst/>
+          </a:prstGeom>
+          <a:ln w="28575">
+            <a:prstDash val="sysDash"/>
+          </a:ln>
+        </p:spPr>
+        <p:style>
+          <a:lnRef idx="1">
+            <a:schemeClr val="accent1"/>
+          </a:lnRef>
+          <a:fillRef idx="0">
+            <a:schemeClr val="accent1"/>
+          </a:fillRef>
+          <a:effectRef idx="0">
+            <a:schemeClr val="accent1"/>
+          </a:effectRef>
+          <a:fontRef idx="minor">
+            <a:schemeClr val="tx1"/>
+          </a:fontRef>
+        </p:style>
+        <p:txBody>
+          <a:bodyPr rtlCol="0" anchor="ctr"/>
+          <a:lstStyle/>
+          <a:p>
+            <a:pPr algn="ctr"/>
+            <a:endParaRPr lang="en-US"/>
+          </a:p>
+        </p:txBody>
+      </p:sp>
+      <p:pic>
+        <p:nvPicPr>
+          <p:cNvPr id="19" name="Picture 18">
+            <a:extLst>
+              <a:ext uri="{FF2B5EF4-FFF2-40B4-BE49-F238E27FC236}">
+                <a16:creationId xmlns:a16="http://schemas.microsoft.com/office/drawing/2014/main" id="{8B8B677F-21F5-F248-8694-CB42A1D55C2C}"/>
+              </a:ext>
+            </a:extLst>
+          </p:cNvPr>
+          <p:cNvPicPr>
+            <a:picLocks noChangeAspect="1"/>
+          </p:cNvPicPr>
+          <p:nvPr/>
+        </p:nvPicPr>
+        <p:blipFill>
+          <a:blip r:embed="rId13"/>
+          <a:stretch>
+            <a:fillRect/>
+          </a:stretch>
+        </p:blipFill>
+        <p:spPr>
+          <a:xfrm>
+            <a:off x="5684275" y="3325919"/>
+            <a:ext cx="241300" cy="330200"/>
+          </a:xfrm>
+          <a:prstGeom prst="rect">
+            <a:avLst/>
+          </a:prstGeom>
+        </p:spPr>
+      </p:pic>
+      <p:cxnSp>
+        <p:nvCxnSpPr>
+          <p:cNvPr id="55" name="Elbow Connector 54">
+            <a:extLst>
+              <a:ext uri="{FF2B5EF4-FFF2-40B4-BE49-F238E27FC236}">
+                <a16:creationId xmlns:a16="http://schemas.microsoft.com/office/drawing/2014/main" id="{4F9CF29A-8DC7-1742-9DD7-62AC0C70EBA4}"/>
+              </a:ext>
+            </a:extLst>
+          </p:cNvPr>
+          <p:cNvCxnSpPr>
+            <a:cxnSpLocks/>
+            <a:stCxn id="83" idx="3"/>
+            <a:endCxn id="29" idx="2"/>
+          </p:cNvCxnSpPr>
+          <p:nvPr/>
+        </p:nvCxnSpPr>
+        <p:spPr>
+          <a:xfrm flipV="1">
+            <a:off x="5977407" y="2567301"/>
+            <a:ext cx="1726609" cy="781722"/>
+          </a:xfrm>
+          <a:prstGeom prst="bentConnector2">
+            <a:avLst/>
+          </a:prstGeom>
+          <a:ln w="38100">
+            <a:solidFill>
+              <a:schemeClr val="tx1"/>
+            </a:solidFill>
+            <a:tailEnd type="triangle"/>
+          </a:ln>
+        </p:spPr>
+        <p:style>
+          <a:lnRef idx="1">
+            <a:schemeClr val="accent1"/>
+          </a:lnRef>
+          <a:fillRef idx="0">
+            <a:schemeClr val="accent1"/>
+          </a:fillRef>
+          <a:effectRef idx="0">
+            <a:schemeClr val="accent1"/>
+          </a:effectRef>
+          <a:fontRef idx="minor">
+            <a:schemeClr val="tx1"/>
+          </a:fontRef>
+        </p:style>
+      </p:cxnSp>
+    </p:spTree>
+    <p:extLst>
+      <p:ext uri="{BB962C8B-B14F-4D97-AF65-F5344CB8AC3E}">
+        <p14:creationId xmlns:p14="http://schemas.microsoft.com/office/powerpoint/2010/main" val="3338519491"/>
+      </p:ext>
+    </p:extLst>
+  </p:cSld>
+  <p:clrMapOvr>
+    <a:masterClrMapping/>
+  </p:clrMapOvr>
+</p:sld>
+</file>
+
+<file path=ppt/slides/slide3.xml><?xml version="1.0" encoding="utf-8"?>
+<p:sld xmlns:a="http://schemas.openxmlformats.org/drawingml/2006/main" xmlns:r="http://schemas.openxmlformats.org/officeDocument/2006/relationships" xmlns:p="http://schemas.openxmlformats.org/presentationml/2006/main">
+  <p:cSld>
+    <p:spTree>
+      <p:nvGrpSpPr>
+        <p:cNvPr id="1" name=""/>
+        <p:cNvGrpSpPr/>
+        <p:nvPr/>
+      </p:nvGrpSpPr>
+      <p:grpSpPr>
+        <a:xfrm>
+          <a:off x="0" y="0"/>
+          <a:ext cx="0" cy="0"/>
+          <a:chOff x="0" y="0"/>
+          <a:chExt cx="0" cy="0"/>
+        </a:xfrm>
+      </p:grpSpPr>
+      <p:grpSp>
+        <p:nvGrpSpPr>
+          <p:cNvPr id="12" name="Group 11">
+            <a:extLst>
+              <a:ext uri="{FF2B5EF4-FFF2-40B4-BE49-F238E27FC236}">
+                <a16:creationId xmlns:a16="http://schemas.microsoft.com/office/drawing/2014/main" id="{B3FA1BB1-600E-BC4A-BC5C-945D84CBDF1F}"/>
+              </a:ext>
+            </a:extLst>
+          </p:cNvPr>
+          <p:cNvGrpSpPr/>
+          <p:nvPr/>
+        </p:nvGrpSpPr>
+        <p:grpSpPr>
+          <a:xfrm>
+            <a:off x="6878072" y="2737442"/>
+            <a:ext cx="365760" cy="365760"/>
+            <a:chOff x="11331145" y="1667819"/>
+            <a:chExt cx="365760" cy="365760"/>
+          </a:xfrm>
+        </p:grpSpPr>
+        <p:sp>
+          <p:nvSpPr>
+            <p:cNvPr id="10" name="Oval 9">
+              <a:extLst>
+                <a:ext uri="{FF2B5EF4-FFF2-40B4-BE49-F238E27FC236}">
+                  <a16:creationId xmlns:a16="http://schemas.microsoft.com/office/drawing/2014/main" id="{148EE338-4EC0-A641-A8E3-6FED1A37F76B}"/>
+                </a:ext>
+              </a:extLst>
+            </p:cNvPr>
+            <p:cNvSpPr>
+              <a:spLocks/>
+            </p:cNvSpPr>
+            <p:nvPr/>
+          </p:nvSpPr>
+          <p:spPr>
+            <a:xfrm>
+              <a:off x="11331145" y="1667819"/>
+              <a:ext cx="365760" cy="365760"/>
+            </a:xfrm>
+            <a:prstGeom prst="ellipse">
+              <a:avLst/>
+            </a:prstGeom>
+            <a:noFill/>
+            <a:ln w="38100">
+              <a:solidFill>
+                <a:schemeClr val="tx1"/>
+              </a:solidFill>
+            </a:ln>
+          </p:spPr>
+          <p:style>
+            <a:lnRef idx="2">
+              <a:schemeClr val="accent1">
+                <a:shade val="50000"/>
+              </a:schemeClr>
+            </a:lnRef>
+            <a:fillRef idx="1">
+              <a:schemeClr val="accent1"/>
+            </a:fillRef>
+            <a:effectRef idx="0">
+              <a:schemeClr val="accent1"/>
+            </a:effectRef>
+            <a:fontRef idx="minor">
+              <a:schemeClr val="lt1"/>
+            </a:fontRef>
+          </p:style>
+          <p:txBody>
+            <a:bodyPr rtlCol="0" anchor="ctr"/>
+            <a:lstStyle/>
+            <a:p>
+              <a:pPr algn="ctr"/>
+              <a:endParaRPr lang="en-US" sz="2400" dirty="0">
+                <a:solidFill>
+                  <a:schemeClr val="tx1"/>
+                </a:solidFill>
+              </a:endParaRPr>
+            </a:p>
+          </p:txBody>
+        </p:sp>
+        <p:pic>
+          <p:nvPicPr>
+            <p:cNvPr id="11" name="Picture 10">
+              <a:extLst>
+                <a:ext uri="{FF2B5EF4-FFF2-40B4-BE49-F238E27FC236}">
+                  <a16:creationId xmlns:a16="http://schemas.microsoft.com/office/drawing/2014/main" id="{A50647DC-53AE-BB41-A804-2B0ACB72591E}"/>
+                </a:ext>
+              </a:extLst>
+            </p:cNvPr>
+            <p:cNvPicPr>
+              <a:picLocks noChangeAspect="1"/>
+            </p:cNvPicPr>
+            <p:nvPr/>
+          </p:nvPicPr>
+          <p:blipFill>
+            <a:blip r:embed="rId2"/>
+            <a:stretch>
+              <a:fillRect/>
+            </a:stretch>
+          </p:blipFill>
+          <p:spPr>
+            <a:xfrm>
+              <a:off x="11372776" y="1703100"/>
+              <a:ext cx="304800" cy="317500"/>
+            </a:xfrm>
+            <a:prstGeom prst="rect">
+              <a:avLst/>
+            </a:prstGeom>
+          </p:spPr>
+        </p:pic>
+      </p:grpSp>
+      <p:grpSp>
+        <p:nvGrpSpPr>
+          <p:cNvPr id="13" name="Group 12">
+            <a:extLst>
+              <a:ext uri="{FF2B5EF4-FFF2-40B4-BE49-F238E27FC236}">
+                <a16:creationId xmlns:a16="http://schemas.microsoft.com/office/drawing/2014/main" id="{4BAD03A9-C4BE-0548-A7E7-1C9463607D77}"/>
+              </a:ext>
+            </a:extLst>
+          </p:cNvPr>
+          <p:cNvGrpSpPr/>
+          <p:nvPr/>
+        </p:nvGrpSpPr>
+        <p:grpSpPr>
+          <a:xfrm>
+            <a:off x="4107210" y="1413996"/>
+            <a:ext cx="365760" cy="365760"/>
+            <a:chOff x="11331145" y="1667819"/>
+            <a:chExt cx="365760" cy="365760"/>
+          </a:xfrm>
+        </p:grpSpPr>
+        <p:sp>
+          <p:nvSpPr>
+            <p:cNvPr id="14" name="Oval 13">
+              <a:extLst>
+                <a:ext uri="{FF2B5EF4-FFF2-40B4-BE49-F238E27FC236}">
+                  <a16:creationId xmlns:a16="http://schemas.microsoft.com/office/drawing/2014/main" id="{1C50811E-B46B-A744-B319-C1205B55145C}"/>
+                </a:ext>
+              </a:extLst>
+            </p:cNvPr>
+            <p:cNvSpPr>
+              <a:spLocks/>
+            </p:cNvSpPr>
+            <p:nvPr/>
+          </p:nvSpPr>
+          <p:spPr>
+            <a:xfrm>
+              <a:off x="11331145" y="1667819"/>
+              <a:ext cx="365760" cy="365760"/>
+            </a:xfrm>
+            <a:prstGeom prst="ellipse">
+              <a:avLst/>
+            </a:prstGeom>
+            <a:noFill/>
+            <a:ln w="38100">
+              <a:solidFill>
+                <a:schemeClr val="tx1"/>
+              </a:solidFill>
+            </a:ln>
+          </p:spPr>
+          <p:style>
+            <a:lnRef idx="2">
+              <a:schemeClr val="accent1">
+                <a:shade val="50000"/>
+              </a:schemeClr>
+            </a:lnRef>
+            <a:fillRef idx="1">
+              <a:schemeClr val="accent1"/>
+            </a:fillRef>
+            <a:effectRef idx="0">
+              <a:schemeClr val="accent1"/>
+            </a:effectRef>
+            <a:fontRef idx="minor">
+              <a:schemeClr val="lt1"/>
+            </a:fontRef>
+          </p:style>
+          <p:txBody>
+            <a:bodyPr rtlCol="0" anchor="ctr"/>
+            <a:lstStyle/>
+            <a:p>
+              <a:pPr algn="ctr"/>
+              <a:endParaRPr lang="en-US" sz="2400" dirty="0">
+                <a:solidFill>
+                  <a:schemeClr val="tx1"/>
+                </a:solidFill>
+              </a:endParaRPr>
+            </a:p>
+          </p:txBody>
+        </p:sp>
+        <p:pic>
+          <p:nvPicPr>
+            <p:cNvPr id="15" name="Picture 14">
+              <a:extLst>
+                <a:ext uri="{FF2B5EF4-FFF2-40B4-BE49-F238E27FC236}">
+                  <a16:creationId xmlns:a16="http://schemas.microsoft.com/office/drawing/2014/main" id="{003CA5A5-20E1-AD43-9253-9423F43208D5}"/>
+                </a:ext>
+              </a:extLst>
+            </p:cNvPr>
+            <p:cNvPicPr>
+              <a:picLocks noChangeAspect="1"/>
+            </p:cNvPicPr>
+            <p:nvPr/>
+          </p:nvPicPr>
+          <p:blipFill>
+            <a:blip r:embed="rId2"/>
+            <a:stretch>
+              <a:fillRect/>
+            </a:stretch>
+          </p:blipFill>
+          <p:spPr>
+            <a:xfrm>
+              <a:off x="11372776" y="1703100"/>
+              <a:ext cx="304800" cy="317500"/>
+            </a:xfrm>
+            <a:prstGeom prst="rect">
+              <a:avLst/>
+            </a:prstGeom>
+          </p:spPr>
+        </p:pic>
+      </p:grpSp>
+      <p:cxnSp>
+        <p:nvCxnSpPr>
+          <p:cNvPr id="31" name="Straight Arrow Connector 30">
+            <a:extLst>
+              <a:ext uri="{FF2B5EF4-FFF2-40B4-BE49-F238E27FC236}">
+                <a16:creationId xmlns:a16="http://schemas.microsoft.com/office/drawing/2014/main" id="{52DBEC03-CCFF-0048-BBC0-F50917C0E4C1}"/>
+              </a:ext>
+            </a:extLst>
+          </p:cNvPr>
+          <p:cNvCxnSpPr>
+            <a:cxnSpLocks/>
+            <a:endCxn id="14" idx="2"/>
+          </p:cNvCxnSpPr>
+          <p:nvPr/>
+        </p:nvCxnSpPr>
+        <p:spPr>
+          <a:xfrm flipV="1">
+            <a:off x="3668596" y="1596876"/>
+            <a:ext cx="457200" cy="0"/>
+          </a:xfrm>
+          <a:prstGeom prst="straightConnector1">
+            <a:avLst/>
+          </a:prstGeom>
+          <a:ln w="38100">
+            <a:solidFill>
+              <a:srgbClr val="FF0000"/>
+            </a:solidFill>
+            <a:tailEnd type="triangle"/>
+          </a:ln>
+        </p:spPr>
+        <p:style>
+          <a:lnRef idx="1">
+            <a:schemeClr val="accent1"/>
+          </a:lnRef>
+          <a:fillRef idx="0">
+            <a:schemeClr val="accent1"/>
+          </a:fillRef>
+          <a:effectRef idx="0">
+            <a:schemeClr val="accent1"/>
+          </a:effectRef>
+          <a:fontRef idx="minor">
+            <a:schemeClr val="tx1"/>
+          </a:fontRef>
+        </p:style>
+      </p:cxnSp>
+      <p:cxnSp>
+        <p:nvCxnSpPr>
+          <p:cNvPr id="37" name="Straight Arrow Connector 36">
+            <a:extLst>
+              <a:ext uri="{FF2B5EF4-FFF2-40B4-BE49-F238E27FC236}">
+                <a16:creationId xmlns:a16="http://schemas.microsoft.com/office/drawing/2014/main" id="{95871239-ED62-8B49-BD40-7D813E736CB0}"/>
+              </a:ext>
+            </a:extLst>
+          </p:cNvPr>
+          <p:cNvCxnSpPr>
+            <a:cxnSpLocks/>
+          </p:cNvCxnSpPr>
+          <p:nvPr/>
+        </p:nvCxnSpPr>
+        <p:spPr>
+          <a:xfrm flipH="1" flipV="1">
+            <a:off x="7249940" y="2911923"/>
+            <a:ext cx="457200" cy="1770"/>
+          </a:xfrm>
+          <a:prstGeom prst="straightConnector1">
+            <a:avLst/>
+          </a:prstGeom>
+          <a:ln w="38100">
+            <a:solidFill>
+              <a:srgbClr val="FF0000"/>
+            </a:solidFill>
+            <a:tailEnd type="triangle"/>
+          </a:ln>
+        </p:spPr>
+        <p:style>
+          <a:lnRef idx="1">
+            <a:schemeClr val="accent1"/>
+          </a:lnRef>
+          <a:fillRef idx="0">
+            <a:schemeClr val="accent1"/>
+          </a:fillRef>
+          <a:effectRef idx="0">
+            <a:schemeClr val="accent1"/>
+          </a:effectRef>
+          <a:fontRef idx="minor">
+            <a:schemeClr val="tx1"/>
+          </a:fontRef>
+        </p:style>
+      </p:cxnSp>
+      <p:cxnSp>
+        <p:nvCxnSpPr>
+          <p:cNvPr id="44" name="Straight Arrow Connector 43">
+            <a:extLst>
+              <a:ext uri="{FF2B5EF4-FFF2-40B4-BE49-F238E27FC236}">
+                <a16:creationId xmlns:a16="http://schemas.microsoft.com/office/drawing/2014/main" id="{81EFCA43-16CF-8F47-9235-3EC752C6F09D}"/>
+              </a:ext>
+            </a:extLst>
+          </p:cNvPr>
+          <p:cNvCxnSpPr>
+            <a:cxnSpLocks/>
+            <a:stCxn id="14" idx="6"/>
+            <a:endCxn id="55" idx="1"/>
+          </p:cNvCxnSpPr>
+          <p:nvPr/>
+        </p:nvCxnSpPr>
+        <p:spPr>
+          <a:xfrm>
+            <a:off x="4472970" y="1596876"/>
+            <a:ext cx="764383" cy="1828"/>
+          </a:xfrm>
+          <a:prstGeom prst="straightConnector1">
+            <a:avLst/>
+          </a:prstGeom>
+          <a:ln w="38100">
+            <a:solidFill>
+              <a:schemeClr val="tx1"/>
+            </a:solidFill>
+            <a:tailEnd type="triangle"/>
+          </a:ln>
+        </p:spPr>
+        <p:style>
+          <a:lnRef idx="1">
+            <a:schemeClr val="accent1"/>
+          </a:lnRef>
+          <a:fillRef idx="0">
+            <a:schemeClr val="accent1"/>
+          </a:fillRef>
+          <a:effectRef idx="0">
+            <a:schemeClr val="accent1"/>
+          </a:effectRef>
+          <a:fontRef idx="minor">
+            <a:schemeClr val="tx1"/>
+          </a:fontRef>
+        </p:style>
+      </p:cxnSp>
+      <p:cxnSp>
+        <p:nvCxnSpPr>
+          <p:cNvPr id="48" name="Elbow Connector 47">
+            <a:extLst>
+              <a:ext uri="{FF2B5EF4-FFF2-40B4-BE49-F238E27FC236}">
+                <a16:creationId xmlns:a16="http://schemas.microsoft.com/office/drawing/2014/main" id="{BE57766A-DC09-2741-A439-9F0C499611D7}"/>
+              </a:ext>
+            </a:extLst>
+          </p:cNvPr>
+          <p:cNvCxnSpPr>
+            <a:cxnSpLocks/>
+            <a:stCxn id="55" idx="3"/>
+            <a:endCxn id="10" idx="0"/>
+          </p:cNvCxnSpPr>
+          <p:nvPr/>
+        </p:nvCxnSpPr>
+        <p:spPr>
+          <a:xfrm>
+            <a:off x="6133019" y="1598704"/>
+            <a:ext cx="927933" cy="1138738"/>
+          </a:xfrm>
+          <a:prstGeom prst="bentConnector2">
+            <a:avLst/>
+          </a:prstGeom>
+          <a:ln w="38100">
+            <a:solidFill>
+              <a:schemeClr val="tx1"/>
+            </a:solidFill>
+            <a:tailEnd type="triangle"/>
+          </a:ln>
+        </p:spPr>
+        <p:style>
+          <a:lnRef idx="1">
+            <a:schemeClr val="accent1"/>
+          </a:lnRef>
+          <a:fillRef idx="0">
+            <a:schemeClr val="accent1"/>
+          </a:fillRef>
+          <a:effectRef idx="0">
+            <a:schemeClr val="accent1"/>
+          </a:effectRef>
+          <a:fontRef idx="minor">
+            <a:schemeClr val="tx1"/>
+          </a:fontRef>
+        </p:style>
+      </p:cxnSp>
+      <p:cxnSp>
+        <p:nvCxnSpPr>
+          <p:cNvPr id="56" name="Elbow Connector 55">
+            <a:extLst>
+              <a:ext uri="{FF2B5EF4-FFF2-40B4-BE49-F238E27FC236}">
+                <a16:creationId xmlns:a16="http://schemas.microsoft.com/office/drawing/2014/main" id="{8BE720EC-6B6D-E846-BDB9-DEE501A9CE38}"/>
+              </a:ext>
+            </a:extLst>
+          </p:cNvPr>
+          <p:cNvCxnSpPr>
+            <a:cxnSpLocks/>
+            <a:stCxn id="7" idx="1"/>
+            <a:endCxn id="15" idx="2"/>
+          </p:cNvCxnSpPr>
+          <p:nvPr/>
+        </p:nvCxnSpPr>
+        <p:spPr>
+          <a:xfrm rot="10800000">
+            <a:off x="4301242" y="1766777"/>
+            <a:ext cx="916783" cy="1146916"/>
+          </a:xfrm>
+          <a:prstGeom prst="bentConnector2">
+            <a:avLst/>
+          </a:prstGeom>
+          <a:ln w="38100">
+            <a:solidFill>
+              <a:schemeClr val="tx1"/>
+            </a:solidFill>
+            <a:tailEnd type="triangle"/>
+          </a:ln>
+        </p:spPr>
+        <p:style>
+          <a:lnRef idx="1">
+            <a:schemeClr val="accent1"/>
+          </a:lnRef>
+          <a:fillRef idx="0">
+            <a:schemeClr val="accent1"/>
+          </a:fillRef>
+          <a:effectRef idx="0">
+            <a:schemeClr val="accent1"/>
+          </a:effectRef>
+          <a:fontRef idx="minor">
+            <a:schemeClr val="tx1"/>
+          </a:fontRef>
+        </p:style>
+      </p:cxnSp>
+      <p:grpSp>
+        <p:nvGrpSpPr>
+          <p:cNvPr id="50" name="Group 49">
+            <a:extLst>
+              <a:ext uri="{FF2B5EF4-FFF2-40B4-BE49-F238E27FC236}">
+                <a16:creationId xmlns:a16="http://schemas.microsoft.com/office/drawing/2014/main" id="{678FFC51-385F-DD43-85CE-76F1A96102EB}"/>
+              </a:ext>
+            </a:extLst>
+          </p:cNvPr>
+          <p:cNvGrpSpPr/>
+          <p:nvPr/>
+        </p:nvGrpSpPr>
+        <p:grpSpPr>
+          <a:xfrm>
+            <a:off x="5237353" y="1252312"/>
+            <a:ext cx="895666" cy="692784"/>
+            <a:chOff x="5237353" y="1274614"/>
+            <a:chExt cx="895666" cy="692784"/>
+          </a:xfrm>
+        </p:grpSpPr>
+        <p:pic>
+          <p:nvPicPr>
+            <p:cNvPr id="2" name="Picture 1">
+              <a:extLst>
+                <a:ext uri="{FF2B5EF4-FFF2-40B4-BE49-F238E27FC236}">
+                  <a16:creationId xmlns:a16="http://schemas.microsoft.com/office/drawing/2014/main" id="{CCDBCD1E-7E0A-3B47-9D67-21E7CF676D77}"/>
+                </a:ext>
+              </a:extLst>
+            </p:cNvPr>
+            <p:cNvPicPr>
+              <a:picLocks noChangeAspect="1"/>
+            </p:cNvPicPr>
+            <p:nvPr/>
+          </p:nvPicPr>
+          <p:blipFill>
+            <a:blip r:embed="rId3"/>
+            <a:stretch>
+              <a:fillRect/>
+            </a:stretch>
+          </p:blipFill>
+          <p:spPr>
+            <a:xfrm>
+              <a:off x="5494686" y="1455906"/>
+              <a:ext cx="381000" cy="330200"/>
+            </a:xfrm>
+            <a:prstGeom prst="rect">
+              <a:avLst/>
+            </a:prstGeom>
+          </p:spPr>
+        </p:pic>
+        <p:sp>
+          <p:nvSpPr>
+            <p:cNvPr id="55" name="Rounded Rectangle 54">
+              <a:extLst>
+                <a:ext uri="{FF2B5EF4-FFF2-40B4-BE49-F238E27FC236}">
+                  <a16:creationId xmlns:a16="http://schemas.microsoft.com/office/drawing/2014/main" id="{4AD76786-9FAA-1C43-B350-B0B53D8C1276}"/>
+                </a:ext>
+              </a:extLst>
+            </p:cNvPr>
+            <p:cNvSpPr/>
+            <p:nvPr/>
+          </p:nvSpPr>
+          <p:spPr>
+            <a:xfrm>
+              <a:off x="5237353" y="1274614"/>
+              <a:ext cx="895666" cy="692784"/>
+            </a:xfrm>
+            <a:prstGeom prst="roundRect">
+              <a:avLst/>
+            </a:prstGeom>
+            <a:noFill/>
+            <a:ln w="38100">
+              <a:solidFill>
+                <a:schemeClr val="tx1"/>
+              </a:solidFill>
+            </a:ln>
+            <a:effectLst/>
+          </p:spPr>
+          <p:style>
+            <a:lnRef idx="2">
+              <a:schemeClr val="accent1">
+                <a:shade val="50000"/>
+              </a:schemeClr>
+            </a:lnRef>
+            <a:fillRef idx="1">
+              <a:schemeClr val="accent1"/>
+            </a:fillRef>
+            <a:effectRef idx="0">
+              <a:schemeClr val="accent1"/>
+            </a:effectRef>
+            <a:fontRef idx="minor">
+              <a:schemeClr val="lt1"/>
+            </a:fontRef>
+          </p:style>
+          <p:txBody>
+            <a:bodyPr rtlCol="0" anchor="ctr"/>
+            <a:lstStyle/>
+            <a:p>
+              <a:pPr algn="ctr"/>
+              <a:endParaRPr lang="en-US"/>
+            </a:p>
+          </p:txBody>
+        </p:sp>
+      </p:grpSp>
+      <p:grpSp>
+        <p:nvGrpSpPr>
+          <p:cNvPr id="51" name="Group 50">
+            <a:extLst>
+              <a:ext uri="{FF2B5EF4-FFF2-40B4-BE49-F238E27FC236}">
+                <a16:creationId xmlns:a16="http://schemas.microsoft.com/office/drawing/2014/main" id="{BF0CFBB0-EAAF-F44F-A343-36756B987380}"/>
+              </a:ext>
+            </a:extLst>
+          </p:cNvPr>
+          <p:cNvGrpSpPr/>
+          <p:nvPr/>
+        </p:nvGrpSpPr>
+        <p:grpSpPr>
+          <a:xfrm>
+            <a:off x="5218024" y="2567301"/>
+            <a:ext cx="895666" cy="692784"/>
+            <a:chOff x="5218024" y="2567301"/>
+            <a:chExt cx="895666" cy="692784"/>
+          </a:xfrm>
+        </p:grpSpPr>
+        <p:sp>
+          <p:nvSpPr>
+            <p:cNvPr id="7" name="Rounded Rectangle 6">
+              <a:extLst>
+                <a:ext uri="{FF2B5EF4-FFF2-40B4-BE49-F238E27FC236}">
+                  <a16:creationId xmlns:a16="http://schemas.microsoft.com/office/drawing/2014/main" id="{FE2F7148-44C5-1D4C-A17C-30BFFA7FC0A8}"/>
+                </a:ext>
+              </a:extLst>
+            </p:cNvPr>
+            <p:cNvSpPr/>
+            <p:nvPr/>
+          </p:nvSpPr>
+          <p:spPr>
+            <a:xfrm>
+              <a:off x="5218024" y="2567301"/>
+              <a:ext cx="895666" cy="692784"/>
+            </a:xfrm>
+            <a:prstGeom prst="roundRect">
+              <a:avLst/>
+            </a:prstGeom>
+            <a:noFill/>
+            <a:ln w="38100">
+              <a:solidFill>
+                <a:schemeClr val="tx1"/>
+              </a:solidFill>
+            </a:ln>
+            <a:effectLst/>
+          </p:spPr>
+          <p:style>
+            <a:lnRef idx="2">
+              <a:schemeClr val="accent1">
+                <a:shade val="50000"/>
+              </a:schemeClr>
+            </a:lnRef>
+            <a:fillRef idx="1">
+              <a:schemeClr val="accent1"/>
+            </a:fillRef>
+            <a:effectRef idx="0">
+              <a:schemeClr val="accent1"/>
+            </a:effectRef>
+            <a:fontRef idx="minor">
+              <a:schemeClr val="lt1"/>
+            </a:fontRef>
+          </p:style>
+          <p:txBody>
+            <a:bodyPr rtlCol="0" anchor="ctr"/>
+            <a:lstStyle/>
+            <a:p>
+              <a:pPr algn="ctr"/>
+              <a:endParaRPr lang="en-US"/>
+            </a:p>
+          </p:txBody>
+        </p:sp>
+        <p:pic>
+          <p:nvPicPr>
+            <p:cNvPr id="33" name="Picture 32">
+              <a:extLst>
+                <a:ext uri="{FF2B5EF4-FFF2-40B4-BE49-F238E27FC236}">
+                  <a16:creationId xmlns:a16="http://schemas.microsoft.com/office/drawing/2014/main" id="{E1471BDC-314D-414E-A97F-CE4C09B7B8F5}"/>
+                </a:ext>
+              </a:extLst>
+            </p:cNvPr>
+            <p:cNvPicPr>
+              <a:picLocks noChangeAspect="1"/>
+            </p:cNvPicPr>
+            <p:nvPr/>
+          </p:nvPicPr>
+          <p:blipFill>
+            <a:blip r:embed="rId4"/>
+            <a:stretch>
+              <a:fillRect/>
+            </a:stretch>
+          </p:blipFill>
+          <p:spPr>
+            <a:xfrm>
+              <a:off x="5437257" y="2754943"/>
+              <a:ext cx="457200" cy="317500"/>
+            </a:xfrm>
+            <a:prstGeom prst="rect">
+              <a:avLst/>
+            </a:prstGeom>
+          </p:spPr>
+        </p:pic>
+      </p:grpSp>
+      <p:cxnSp>
+        <p:nvCxnSpPr>
+          <p:cNvPr id="70" name="Straight Arrow Connector 69">
+            <a:extLst>
+              <a:ext uri="{FF2B5EF4-FFF2-40B4-BE49-F238E27FC236}">
+                <a16:creationId xmlns:a16="http://schemas.microsoft.com/office/drawing/2014/main" id="{7F86A99E-83B7-924E-88B8-69457F1458F3}"/>
+              </a:ext>
+            </a:extLst>
+          </p:cNvPr>
+          <p:cNvCxnSpPr>
+            <a:cxnSpLocks/>
+            <a:stCxn id="10" idx="2"/>
+            <a:endCxn id="7" idx="3"/>
+          </p:cNvCxnSpPr>
+          <p:nvPr/>
+        </p:nvCxnSpPr>
+        <p:spPr>
+          <a:xfrm flipH="1" flipV="1">
+            <a:off x="6113690" y="2913693"/>
+            <a:ext cx="764382" cy="0"/>
+          </a:xfrm>
+          <a:prstGeom prst="straightConnector1">
+            <a:avLst/>
+          </a:prstGeom>
+          <a:ln w="38100">
+            <a:solidFill>
+              <a:schemeClr val="tx1"/>
+            </a:solidFill>
+            <a:tailEnd type="triangle"/>
+          </a:ln>
+        </p:spPr>
+        <p:style>
+          <a:lnRef idx="1">
+            <a:schemeClr val="accent1"/>
+          </a:lnRef>
+          <a:fillRef idx="0">
+            <a:schemeClr val="accent1"/>
+          </a:fillRef>
+          <a:effectRef idx="0">
+            <a:schemeClr val="accent1"/>
+          </a:effectRef>
+          <a:fontRef idx="minor">
+            <a:schemeClr val="tx1"/>
+          </a:fontRef>
+        </p:style>
+      </p:cxnSp>
+      <p:pic>
+        <p:nvPicPr>
+          <p:cNvPr id="63" name="Picture 62">
+            <a:extLst>
+              <a:ext uri="{FF2B5EF4-FFF2-40B4-BE49-F238E27FC236}">
+                <a16:creationId xmlns:a16="http://schemas.microsoft.com/office/drawing/2014/main" id="{4DC9DA0A-9339-8942-97DE-F4F38CFC43B0}"/>
+              </a:ext>
+            </a:extLst>
+          </p:cNvPr>
+          <p:cNvPicPr>
+            <a:picLocks noChangeAspect="1"/>
+          </p:cNvPicPr>
+          <p:nvPr/>
+        </p:nvPicPr>
+        <p:blipFill>
+          <a:blip r:embed="rId5"/>
+          <a:stretch>
+            <a:fillRect/>
+          </a:stretch>
+        </p:blipFill>
+        <p:spPr>
+          <a:xfrm>
+            <a:off x="3325696" y="1493727"/>
+            <a:ext cx="342900" cy="228600"/>
+          </a:xfrm>
+          <a:prstGeom prst="rect">
+            <a:avLst/>
+          </a:prstGeom>
+        </p:spPr>
+      </p:pic>
+      <p:pic>
+        <p:nvPicPr>
+          <p:cNvPr id="64" name="Picture 63">
+            <a:extLst>
+              <a:ext uri="{FF2B5EF4-FFF2-40B4-BE49-F238E27FC236}">
+                <a16:creationId xmlns:a16="http://schemas.microsoft.com/office/drawing/2014/main" id="{1C1EEF8F-5DFE-0D4A-B109-C0007FB51EBD}"/>
+              </a:ext>
+            </a:extLst>
+          </p:cNvPr>
+          <p:cNvPicPr>
+            <a:picLocks noChangeAspect="1"/>
+          </p:cNvPicPr>
+          <p:nvPr/>
+        </p:nvPicPr>
+        <p:blipFill>
+          <a:blip r:embed="rId6"/>
+          <a:stretch>
+            <a:fillRect/>
+          </a:stretch>
+        </p:blipFill>
+        <p:spPr>
+          <a:xfrm>
+            <a:off x="7709962" y="2817173"/>
+            <a:ext cx="355600" cy="228600"/>
+          </a:xfrm>
+          <a:prstGeom prst="rect">
+            <a:avLst/>
+          </a:prstGeom>
+        </p:spPr>
+      </p:pic>
+      <p:pic>
+        <p:nvPicPr>
+          <p:cNvPr id="66" name="Picture 65">
+            <a:extLst>
+              <a:ext uri="{FF2B5EF4-FFF2-40B4-BE49-F238E27FC236}">
+                <a16:creationId xmlns:a16="http://schemas.microsoft.com/office/drawing/2014/main" id="{00ED32E6-F2F0-7240-B142-8C698E49BB56}"/>
+              </a:ext>
+            </a:extLst>
+          </p:cNvPr>
+          <p:cNvPicPr>
+            <a:picLocks noChangeAspect="1"/>
+          </p:cNvPicPr>
+          <p:nvPr/>
+        </p:nvPicPr>
+        <p:blipFill>
+          <a:blip r:embed="rId7"/>
+          <a:stretch>
+            <a:fillRect/>
+          </a:stretch>
+        </p:blipFill>
+        <p:spPr>
+          <a:xfrm>
+            <a:off x="4689842" y="2636937"/>
+            <a:ext cx="342900" cy="241300"/>
+          </a:xfrm>
+          <a:prstGeom prst="rect">
+            <a:avLst/>
+          </a:prstGeom>
+        </p:spPr>
+      </p:pic>
+      <p:pic>
+        <p:nvPicPr>
+          <p:cNvPr id="67" name="Picture 66">
+            <a:extLst>
+              <a:ext uri="{FF2B5EF4-FFF2-40B4-BE49-F238E27FC236}">
+                <a16:creationId xmlns:a16="http://schemas.microsoft.com/office/drawing/2014/main" id="{161CD1E4-98FE-3342-95D4-13CCC7F4FCF9}"/>
+              </a:ext>
+            </a:extLst>
+          </p:cNvPr>
+          <p:cNvPicPr>
+            <a:picLocks noChangeAspect="1"/>
+          </p:cNvPicPr>
+          <p:nvPr/>
+        </p:nvPicPr>
+        <p:blipFill>
+          <a:blip r:embed="rId8"/>
+          <a:stretch>
+            <a:fillRect/>
+          </a:stretch>
+        </p:blipFill>
+        <p:spPr>
+          <a:xfrm>
+            <a:off x="6495881" y="1301803"/>
+            <a:ext cx="342900" cy="241300"/>
+          </a:xfrm>
+          <a:prstGeom prst="rect">
+            <a:avLst/>
+          </a:prstGeom>
+        </p:spPr>
+      </p:pic>
+      <p:pic>
+        <p:nvPicPr>
+          <p:cNvPr id="68" name="Picture 67">
+            <a:extLst>
+              <a:ext uri="{FF2B5EF4-FFF2-40B4-BE49-F238E27FC236}">
+                <a16:creationId xmlns:a16="http://schemas.microsoft.com/office/drawing/2014/main" id="{4739A93B-AE1D-4848-9A4A-7D40E948E97D}"/>
+              </a:ext>
+            </a:extLst>
+          </p:cNvPr>
+          <p:cNvPicPr>
+            <a:picLocks noChangeAspect="1"/>
+          </p:cNvPicPr>
+          <p:nvPr/>
+        </p:nvPicPr>
+        <p:blipFill>
+          <a:blip r:embed="rId9"/>
+          <a:stretch>
+            <a:fillRect/>
+          </a:stretch>
+        </p:blipFill>
+        <p:spPr>
+          <a:xfrm>
+            <a:off x="4694207" y="1304966"/>
+            <a:ext cx="304800" cy="228600"/>
+          </a:xfrm>
+          <a:prstGeom prst="rect">
+            <a:avLst/>
+          </a:prstGeom>
+        </p:spPr>
+      </p:pic>
+      <p:pic>
+        <p:nvPicPr>
+          <p:cNvPr id="69" name="Picture 68">
+            <a:extLst>
+              <a:ext uri="{FF2B5EF4-FFF2-40B4-BE49-F238E27FC236}">
+                <a16:creationId xmlns:a16="http://schemas.microsoft.com/office/drawing/2014/main" id="{2BE577D8-D31B-3546-81D6-240754E7DF6B}"/>
+              </a:ext>
+            </a:extLst>
+          </p:cNvPr>
+          <p:cNvPicPr>
+            <a:picLocks noChangeAspect="1"/>
+          </p:cNvPicPr>
+          <p:nvPr/>
+        </p:nvPicPr>
+        <p:blipFill>
+          <a:blip r:embed="rId10"/>
+          <a:stretch>
+            <a:fillRect/>
+          </a:stretch>
+        </p:blipFill>
+        <p:spPr>
+          <a:xfrm>
+            <a:off x="6501980" y="2636937"/>
+            <a:ext cx="304800" cy="228600"/>
+          </a:xfrm>
+          <a:prstGeom prst="rect">
+            <a:avLst/>
+          </a:prstGeom>
+        </p:spPr>
+      </p:pic>
+    </p:spTree>
+    <p:extLst>
+      <p:ext uri="{BB962C8B-B14F-4D97-AF65-F5344CB8AC3E}">
+        <p14:creationId xmlns:p14="http://schemas.microsoft.com/office/powerpoint/2010/main" val="2485516718"/>
+      </p:ext>
+    </p:extLst>
+  </p:cSld>
+  <p:clrMapOvr>
+    <a:masterClrMapping/>
+  </p:clrMapOvr>
+</p:sld>
+</file>
+
+<file path=ppt/slides/slide4.xml><?xml version="1.0" encoding="utf-8"?>
+<p:sld xmlns:a="http://schemas.openxmlformats.org/drawingml/2006/main" xmlns:r="http://schemas.openxmlformats.org/officeDocument/2006/relationships" xmlns:p="http://schemas.openxmlformats.org/presentationml/2006/main">
+  <p:cSld>
+    <p:spTree>
+      <p:nvGrpSpPr>
+        <p:cNvPr id="1" name=""/>
+        <p:cNvGrpSpPr/>
+        <p:nvPr/>
+      </p:nvGrpSpPr>
+      <p:grpSpPr>
+        <a:xfrm>
+          <a:off x="0" y="0"/>
+          <a:ext cx="0" cy="0"/>
+          <a:chOff x="0" y="0"/>
+          <a:chExt cx="0" cy="0"/>
+        </a:xfrm>
+      </p:grpSpPr>
+      <p:sp>
+        <p:nvSpPr>
+          <p:cNvPr id="4" name="Rounded Rectangle 3">
+            <a:extLst>
+              <a:ext uri="{FF2B5EF4-FFF2-40B4-BE49-F238E27FC236}">
+                <a16:creationId xmlns:a16="http://schemas.microsoft.com/office/drawing/2014/main" id="{8D6F4385-2080-7B41-ACBF-3E65D67FDFA5}"/>
+              </a:ext>
+            </a:extLst>
+          </p:cNvPr>
+          <p:cNvSpPr/>
+          <p:nvPr/>
+        </p:nvSpPr>
+        <p:spPr>
+          <a:xfrm>
+            <a:off x="7327248" y="1116678"/>
+            <a:ext cx="731520" cy="692784"/>
+          </a:xfrm>
+          <a:prstGeom prst="roundRect">
+            <a:avLst/>
+          </a:prstGeom>
+          <a:noFill/>
+          <a:ln w="38100">
+            <a:solidFill>
+              <a:schemeClr val="tx1"/>
+            </a:solidFill>
+          </a:ln>
+          <a:effectLst/>
+        </p:spPr>
+        <p:style>
+          <a:lnRef idx="2">
+            <a:schemeClr val="accent1">
+              <a:shade val="50000"/>
+            </a:schemeClr>
+          </a:lnRef>
+          <a:fillRef idx="1">
+            <a:schemeClr val="accent1"/>
+          </a:fillRef>
+          <a:effectRef idx="0">
+            <a:schemeClr val="accent1"/>
+          </a:effectRef>
+          <a:fontRef idx="minor">
+            <a:schemeClr val="lt1"/>
+          </a:fontRef>
+        </p:style>
+        <p:txBody>
+          <a:bodyPr rtlCol="0" anchor="ctr"/>
+          <a:lstStyle/>
+          <a:p>
+            <a:pPr algn="ctr"/>
+            <a:endParaRPr lang="en-US"/>
+          </a:p>
+        </p:txBody>
+      </p:sp>
+      <p:grpSp>
+        <p:nvGrpSpPr>
+          <p:cNvPr id="12" name="Group 11">
+            <a:extLst>
+              <a:ext uri="{FF2B5EF4-FFF2-40B4-BE49-F238E27FC236}">
+                <a16:creationId xmlns:a16="http://schemas.microsoft.com/office/drawing/2014/main" id="{B3FA1BB1-600E-BC4A-BC5C-945D84CBDF1F}"/>
+              </a:ext>
+            </a:extLst>
+          </p:cNvPr>
+          <p:cNvGrpSpPr/>
+          <p:nvPr/>
+        </p:nvGrpSpPr>
+        <p:grpSpPr>
+          <a:xfrm>
+            <a:off x="6096000" y="1274614"/>
+            <a:ext cx="365760" cy="365760"/>
+            <a:chOff x="11331145" y="1667819"/>
+            <a:chExt cx="365760" cy="365760"/>
+          </a:xfrm>
+        </p:grpSpPr>
+        <p:sp>
+          <p:nvSpPr>
+            <p:cNvPr id="10" name="Oval 9">
+              <a:extLst>
+                <a:ext uri="{FF2B5EF4-FFF2-40B4-BE49-F238E27FC236}">
+                  <a16:creationId xmlns:a16="http://schemas.microsoft.com/office/drawing/2014/main" id="{148EE338-4EC0-A641-A8E3-6FED1A37F76B}"/>
+                </a:ext>
+              </a:extLst>
+            </p:cNvPr>
+            <p:cNvSpPr>
+              <a:spLocks/>
+            </p:cNvSpPr>
+            <p:nvPr/>
+          </p:nvSpPr>
+          <p:spPr>
+            <a:xfrm>
+              <a:off x="11331145" y="1667819"/>
+              <a:ext cx="365760" cy="365760"/>
+            </a:xfrm>
+            <a:prstGeom prst="ellipse">
+              <a:avLst/>
+            </a:prstGeom>
+            <a:noFill/>
+            <a:ln w="38100">
+              <a:solidFill>
+                <a:schemeClr val="tx1"/>
+              </a:solidFill>
+            </a:ln>
+          </p:spPr>
+          <p:style>
+            <a:lnRef idx="2">
+              <a:schemeClr val="accent1">
+                <a:shade val="50000"/>
+              </a:schemeClr>
+            </a:lnRef>
+            <a:fillRef idx="1">
+              <a:schemeClr val="accent1"/>
+            </a:fillRef>
+            <a:effectRef idx="0">
+              <a:schemeClr val="accent1"/>
+            </a:effectRef>
+            <a:fontRef idx="minor">
+              <a:schemeClr val="lt1"/>
+            </a:fontRef>
+          </p:style>
+          <p:txBody>
+            <a:bodyPr rtlCol="0" anchor="ctr"/>
+            <a:lstStyle/>
+            <a:p>
+              <a:pPr algn="ctr"/>
+              <a:endParaRPr lang="en-US" sz="2400" dirty="0">
+                <a:solidFill>
+                  <a:schemeClr val="tx1"/>
+                </a:solidFill>
+              </a:endParaRPr>
+            </a:p>
+          </p:txBody>
+        </p:sp>
+        <p:pic>
+          <p:nvPicPr>
+            <p:cNvPr id="11" name="Picture 10">
+              <a:extLst>
+                <a:ext uri="{FF2B5EF4-FFF2-40B4-BE49-F238E27FC236}">
+                  <a16:creationId xmlns:a16="http://schemas.microsoft.com/office/drawing/2014/main" id="{A50647DC-53AE-BB41-A804-2B0ACB72591E}"/>
+                </a:ext>
+              </a:extLst>
+            </p:cNvPr>
+            <p:cNvPicPr>
+              <a:picLocks noChangeAspect="1"/>
+            </p:cNvPicPr>
+            <p:nvPr/>
+          </p:nvPicPr>
+          <p:blipFill>
+            <a:blip r:embed="rId2"/>
+            <a:stretch>
+              <a:fillRect/>
+            </a:stretch>
+          </p:blipFill>
+          <p:spPr>
+            <a:xfrm>
+              <a:off x="11372776" y="1703100"/>
+              <a:ext cx="304800" cy="317500"/>
+            </a:xfrm>
+            <a:prstGeom prst="rect">
+              <a:avLst/>
+            </a:prstGeom>
+          </p:spPr>
+        </p:pic>
+      </p:grpSp>
+      <p:grpSp>
+        <p:nvGrpSpPr>
+          <p:cNvPr id="13" name="Group 12">
+            <a:extLst>
+              <a:ext uri="{FF2B5EF4-FFF2-40B4-BE49-F238E27FC236}">
+                <a16:creationId xmlns:a16="http://schemas.microsoft.com/office/drawing/2014/main" id="{4BAD03A9-C4BE-0548-A7E7-1C9463607D77}"/>
+              </a:ext>
+            </a:extLst>
+          </p:cNvPr>
+          <p:cNvGrpSpPr/>
+          <p:nvPr/>
+        </p:nvGrpSpPr>
+        <p:grpSpPr>
+          <a:xfrm>
+            <a:off x="3594409" y="1274614"/>
+            <a:ext cx="365760" cy="365760"/>
+            <a:chOff x="11331145" y="1667819"/>
+            <a:chExt cx="365760" cy="365760"/>
+          </a:xfrm>
+        </p:grpSpPr>
+        <p:sp>
+          <p:nvSpPr>
+            <p:cNvPr id="14" name="Oval 13">
+              <a:extLst>
+                <a:ext uri="{FF2B5EF4-FFF2-40B4-BE49-F238E27FC236}">
+                  <a16:creationId xmlns:a16="http://schemas.microsoft.com/office/drawing/2014/main" id="{1C50811E-B46B-A744-B319-C1205B55145C}"/>
+                </a:ext>
+              </a:extLst>
+            </p:cNvPr>
+            <p:cNvSpPr>
+              <a:spLocks/>
+            </p:cNvSpPr>
+            <p:nvPr/>
+          </p:nvSpPr>
+          <p:spPr>
+            <a:xfrm>
+              <a:off x="11331145" y="1667819"/>
+              <a:ext cx="365760" cy="365760"/>
+            </a:xfrm>
+            <a:prstGeom prst="ellipse">
+              <a:avLst/>
+            </a:prstGeom>
+            <a:noFill/>
+            <a:ln w="38100">
+              <a:solidFill>
+                <a:schemeClr val="tx1"/>
+              </a:solidFill>
+            </a:ln>
+          </p:spPr>
+          <p:style>
+            <a:lnRef idx="2">
+              <a:schemeClr val="accent1">
+                <a:shade val="50000"/>
+              </a:schemeClr>
+            </a:lnRef>
+            <a:fillRef idx="1">
+              <a:schemeClr val="accent1"/>
+            </a:fillRef>
+            <a:effectRef idx="0">
+              <a:schemeClr val="accent1"/>
+            </a:effectRef>
+            <a:fontRef idx="minor">
+              <a:schemeClr val="lt1"/>
+            </a:fontRef>
+          </p:style>
+          <p:txBody>
+            <a:bodyPr rtlCol="0" anchor="ctr"/>
+            <a:lstStyle/>
+            <a:p>
+              <a:pPr algn="ctr"/>
+              <a:endParaRPr lang="en-US" sz="2400" dirty="0">
+                <a:solidFill>
+                  <a:schemeClr val="tx1"/>
+                </a:solidFill>
+              </a:endParaRPr>
+            </a:p>
+          </p:txBody>
+        </p:sp>
+        <p:pic>
+          <p:nvPicPr>
+            <p:cNvPr id="15" name="Picture 14">
+              <a:extLst>
+                <a:ext uri="{FF2B5EF4-FFF2-40B4-BE49-F238E27FC236}">
+                  <a16:creationId xmlns:a16="http://schemas.microsoft.com/office/drawing/2014/main" id="{003CA5A5-20E1-AD43-9253-9423F43208D5}"/>
+                </a:ext>
+              </a:extLst>
+            </p:cNvPr>
+            <p:cNvPicPr>
+              <a:picLocks noChangeAspect="1"/>
+            </p:cNvPicPr>
+            <p:nvPr/>
+          </p:nvPicPr>
+          <p:blipFill>
+            <a:blip r:embed="rId2"/>
+            <a:stretch>
+              <a:fillRect/>
+            </a:stretch>
+          </p:blipFill>
+          <p:spPr>
+            <a:xfrm>
+              <a:off x="11372776" y="1703100"/>
+              <a:ext cx="304800" cy="317500"/>
+            </a:xfrm>
+            <a:prstGeom prst="rect">
+              <a:avLst/>
+            </a:prstGeom>
+          </p:spPr>
+        </p:pic>
+      </p:grpSp>
+      <p:grpSp>
+        <p:nvGrpSpPr>
+          <p:cNvPr id="16" name="Group 15">
+            <a:extLst>
+              <a:ext uri="{FF2B5EF4-FFF2-40B4-BE49-F238E27FC236}">
+                <a16:creationId xmlns:a16="http://schemas.microsoft.com/office/drawing/2014/main" id="{66519171-96C4-074F-B894-14B115C206A2}"/>
+              </a:ext>
+            </a:extLst>
+          </p:cNvPr>
+          <p:cNvGrpSpPr/>
+          <p:nvPr/>
+        </p:nvGrpSpPr>
+        <p:grpSpPr>
+          <a:xfrm>
+            <a:off x="4051609" y="3133474"/>
+            <a:ext cx="365760" cy="365760"/>
+            <a:chOff x="11331145" y="1667819"/>
+            <a:chExt cx="365760" cy="365760"/>
+          </a:xfrm>
+        </p:grpSpPr>
+        <p:sp>
+          <p:nvSpPr>
+            <p:cNvPr id="17" name="Oval 16">
+              <a:extLst>
+                <a:ext uri="{FF2B5EF4-FFF2-40B4-BE49-F238E27FC236}">
+                  <a16:creationId xmlns:a16="http://schemas.microsoft.com/office/drawing/2014/main" id="{591CA59D-9DF4-3040-AB7E-DD9505CA7E87}"/>
+                </a:ext>
+              </a:extLst>
+            </p:cNvPr>
+            <p:cNvSpPr>
+              <a:spLocks/>
+            </p:cNvSpPr>
+            <p:nvPr/>
+          </p:nvSpPr>
+          <p:spPr>
+            <a:xfrm>
+              <a:off x="11331145" y="1667819"/>
+              <a:ext cx="365760" cy="365760"/>
+            </a:xfrm>
+            <a:prstGeom prst="ellipse">
+              <a:avLst/>
+            </a:prstGeom>
+            <a:noFill/>
+            <a:ln w="38100">
+              <a:solidFill>
+                <a:schemeClr val="tx1"/>
+              </a:solidFill>
+            </a:ln>
+          </p:spPr>
+          <p:style>
+            <a:lnRef idx="2">
+              <a:schemeClr val="accent1">
+                <a:shade val="50000"/>
+              </a:schemeClr>
+            </a:lnRef>
+            <a:fillRef idx="1">
+              <a:schemeClr val="accent1"/>
+            </a:fillRef>
+            <a:effectRef idx="0">
+              <a:schemeClr val="accent1"/>
+            </a:effectRef>
+            <a:fontRef idx="minor">
+              <a:schemeClr val="lt1"/>
+            </a:fontRef>
+          </p:style>
+          <p:txBody>
+            <a:bodyPr rtlCol="0" anchor="ctr"/>
+            <a:lstStyle/>
+            <a:p>
+              <a:pPr algn="ctr"/>
+              <a:endParaRPr lang="en-US" sz="2400" dirty="0">
+                <a:solidFill>
+                  <a:schemeClr val="tx1"/>
+                </a:solidFill>
+              </a:endParaRPr>
+            </a:p>
+          </p:txBody>
+        </p:sp>
+        <p:pic>
+          <p:nvPicPr>
+            <p:cNvPr id="18" name="Picture 17">
+              <a:extLst>
+                <a:ext uri="{FF2B5EF4-FFF2-40B4-BE49-F238E27FC236}">
+                  <a16:creationId xmlns:a16="http://schemas.microsoft.com/office/drawing/2014/main" id="{6909394D-29FA-6E4B-B3E7-8D30713BF99B}"/>
+                </a:ext>
+              </a:extLst>
+            </p:cNvPr>
+            <p:cNvPicPr>
+              <a:picLocks noChangeAspect="1"/>
+            </p:cNvPicPr>
+            <p:nvPr/>
+          </p:nvPicPr>
+          <p:blipFill>
+            <a:blip r:embed="rId2"/>
+            <a:stretch>
+              <a:fillRect/>
+            </a:stretch>
+          </p:blipFill>
+          <p:spPr>
+            <a:xfrm>
+              <a:off x="11372776" y="1703100"/>
+              <a:ext cx="304800" cy="317500"/>
+            </a:xfrm>
+            <a:prstGeom prst="rect">
+              <a:avLst/>
+            </a:prstGeom>
+          </p:spPr>
+        </p:pic>
+      </p:grpSp>
+      <p:sp>
+        <p:nvSpPr>
+          <p:cNvPr id="20" name="Rounded Rectangle 19">
+            <a:extLst>
+              <a:ext uri="{FF2B5EF4-FFF2-40B4-BE49-F238E27FC236}">
+                <a16:creationId xmlns:a16="http://schemas.microsoft.com/office/drawing/2014/main" id="{A8034794-5206-9543-BB31-3132076C3FA3}"/>
+              </a:ext>
+            </a:extLst>
+          </p:cNvPr>
+          <p:cNvSpPr/>
+          <p:nvPr/>
+        </p:nvSpPr>
+        <p:spPr>
+          <a:xfrm>
+            <a:off x="4455886" y="3844850"/>
+            <a:ext cx="2189206" cy="692784"/>
+          </a:xfrm>
+          <a:prstGeom prst="roundRect">
+            <a:avLst/>
+          </a:prstGeom>
+          <a:noFill/>
+          <a:ln w="38100">
+            <a:solidFill>
+              <a:schemeClr val="tx1"/>
+            </a:solidFill>
+          </a:ln>
+          <a:effectLst/>
+        </p:spPr>
+        <p:style>
+          <a:lnRef idx="2">
+            <a:schemeClr val="accent1">
+              <a:shade val="50000"/>
+            </a:schemeClr>
+          </a:lnRef>
+          <a:fillRef idx="1">
+            <a:schemeClr val="accent1"/>
+          </a:fillRef>
+          <a:effectRef idx="0">
+            <a:schemeClr val="accent1"/>
+          </a:effectRef>
+          <a:fontRef idx="minor">
+            <a:schemeClr val="lt1"/>
+          </a:fontRef>
+        </p:style>
+        <p:txBody>
+          <a:bodyPr rtlCol="0" anchor="ctr"/>
+          <a:lstStyle/>
+          <a:p>
+            <a:pPr algn="ctr"/>
+            <a:endParaRPr lang="en-US"/>
+          </a:p>
+        </p:txBody>
+      </p:sp>
+      <p:sp>
+        <p:nvSpPr>
+          <p:cNvPr id="25" name="Rounded Rectangle 24">
+            <a:extLst>
+              <a:ext uri="{FF2B5EF4-FFF2-40B4-BE49-F238E27FC236}">
+                <a16:creationId xmlns:a16="http://schemas.microsoft.com/office/drawing/2014/main" id="{AA42EE68-2D9F-6F44-8316-E339DC78B328}"/>
+              </a:ext>
+            </a:extLst>
+          </p:cNvPr>
+          <p:cNvSpPr/>
+          <p:nvPr/>
+        </p:nvSpPr>
+        <p:spPr>
+          <a:xfrm>
+            <a:off x="7055285" y="2981113"/>
+            <a:ext cx="1297462" cy="692784"/>
+          </a:xfrm>
+          <a:prstGeom prst="roundRect">
+            <a:avLst/>
+          </a:prstGeom>
+          <a:noFill/>
+          <a:ln w="38100">
+            <a:solidFill>
+              <a:schemeClr val="tx1"/>
+            </a:solidFill>
+          </a:ln>
+          <a:effectLst/>
+        </p:spPr>
+        <p:style>
+          <a:lnRef idx="2">
+            <a:schemeClr val="accent1">
+              <a:shade val="50000"/>
+            </a:schemeClr>
+          </a:lnRef>
+          <a:fillRef idx="1">
+            <a:schemeClr val="accent1"/>
+          </a:fillRef>
+          <a:effectRef idx="0">
+            <a:schemeClr val="accent1"/>
+          </a:effectRef>
+          <a:fontRef idx="minor">
+            <a:schemeClr val="lt1"/>
+          </a:fontRef>
+        </p:style>
+        <p:txBody>
+          <a:bodyPr rtlCol="0" anchor="ctr"/>
+          <a:lstStyle/>
+          <a:p>
+            <a:pPr algn="ctr"/>
+            <a:endParaRPr lang="en-US"/>
+          </a:p>
+        </p:txBody>
+      </p:sp>
+      <p:grpSp>
+        <p:nvGrpSpPr>
+          <p:cNvPr id="27" name="Group 26">
+            <a:extLst>
+              <a:ext uri="{FF2B5EF4-FFF2-40B4-BE49-F238E27FC236}">
+                <a16:creationId xmlns:a16="http://schemas.microsoft.com/office/drawing/2014/main" id="{90313BE9-A593-2740-9354-FE39F64DD7B7}"/>
+              </a:ext>
+            </a:extLst>
+          </p:cNvPr>
+          <p:cNvGrpSpPr/>
+          <p:nvPr/>
+        </p:nvGrpSpPr>
+        <p:grpSpPr>
+          <a:xfrm>
+            <a:off x="7509985" y="2214520"/>
+            <a:ext cx="365760" cy="365760"/>
+            <a:chOff x="11331145" y="1667819"/>
+            <a:chExt cx="365760" cy="365760"/>
+          </a:xfrm>
+        </p:grpSpPr>
+        <p:sp>
+          <p:nvSpPr>
+            <p:cNvPr id="28" name="Oval 27">
+              <a:extLst>
+                <a:ext uri="{FF2B5EF4-FFF2-40B4-BE49-F238E27FC236}">
+                  <a16:creationId xmlns:a16="http://schemas.microsoft.com/office/drawing/2014/main" id="{B3CC4CCC-6FF3-B442-BC4B-4007287F9570}"/>
+                </a:ext>
+              </a:extLst>
+            </p:cNvPr>
+            <p:cNvSpPr>
+              <a:spLocks/>
+            </p:cNvSpPr>
+            <p:nvPr/>
+          </p:nvSpPr>
+          <p:spPr>
+            <a:xfrm>
+              <a:off x="11331145" y="1667819"/>
+              <a:ext cx="365760" cy="365760"/>
+            </a:xfrm>
+            <a:prstGeom prst="ellipse">
+              <a:avLst/>
+            </a:prstGeom>
+            <a:noFill/>
+            <a:ln w="38100">
+              <a:solidFill>
+                <a:schemeClr val="tx1"/>
+              </a:solidFill>
+            </a:ln>
+          </p:spPr>
+          <p:style>
+            <a:lnRef idx="2">
+              <a:schemeClr val="accent1">
+                <a:shade val="50000"/>
+              </a:schemeClr>
+            </a:lnRef>
+            <a:fillRef idx="1">
+              <a:schemeClr val="accent1"/>
+            </a:fillRef>
+            <a:effectRef idx="0">
+              <a:schemeClr val="accent1"/>
+            </a:effectRef>
+            <a:fontRef idx="minor">
+              <a:schemeClr val="lt1"/>
+            </a:fontRef>
+          </p:style>
+          <p:txBody>
+            <a:bodyPr rtlCol="0" anchor="ctr"/>
+            <a:lstStyle/>
+            <a:p>
+              <a:pPr algn="ctr"/>
+              <a:endParaRPr lang="en-US" sz="2400" dirty="0">
+                <a:solidFill>
+                  <a:schemeClr val="tx1"/>
+                </a:solidFill>
+              </a:endParaRPr>
+            </a:p>
+          </p:txBody>
+        </p:sp>
+        <p:pic>
+          <p:nvPicPr>
+            <p:cNvPr id="29" name="Picture 28">
+              <a:extLst>
+                <a:ext uri="{FF2B5EF4-FFF2-40B4-BE49-F238E27FC236}">
+                  <a16:creationId xmlns:a16="http://schemas.microsoft.com/office/drawing/2014/main" id="{0DA2C393-3CFD-AC4B-B3BC-CE53E8FA4750}"/>
+                </a:ext>
+              </a:extLst>
+            </p:cNvPr>
+            <p:cNvPicPr>
+              <a:picLocks noChangeAspect="1"/>
+            </p:cNvPicPr>
+            <p:nvPr/>
+          </p:nvPicPr>
+          <p:blipFill>
+            <a:blip r:embed="rId2"/>
+            <a:stretch>
+              <a:fillRect/>
+            </a:stretch>
+          </p:blipFill>
+          <p:spPr>
+            <a:xfrm>
+              <a:off x="11372776" y="1703100"/>
+              <a:ext cx="304800" cy="317500"/>
+            </a:xfrm>
+            <a:prstGeom prst="rect">
+              <a:avLst/>
+            </a:prstGeom>
+          </p:spPr>
+        </p:pic>
+      </p:grpSp>
+      <p:cxnSp>
+        <p:nvCxnSpPr>
+          <p:cNvPr id="31" name="Straight Arrow Connector 30">
+            <a:extLst>
+              <a:ext uri="{FF2B5EF4-FFF2-40B4-BE49-F238E27FC236}">
+                <a16:creationId xmlns:a16="http://schemas.microsoft.com/office/drawing/2014/main" id="{52DBEC03-CCFF-0048-BBC0-F50917C0E4C1}"/>
+              </a:ext>
+            </a:extLst>
+          </p:cNvPr>
+          <p:cNvCxnSpPr>
+            <a:cxnSpLocks/>
+            <a:endCxn id="14" idx="2"/>
+          </p:cNvCxnSpPr>
+          <p:nvPr/>
+        </p:nvCxnSpPr>
+        <p:spPr>
+          <a:xfrm flipV="1">
+            <a:off x="3155795" y="1457494"/>
+            <a:ext cx="438614" cy="5576"/>
+          </a:xfrm>
+          <a:prstGeom prst="straightConnector1">
+            <a:avLst/>
+          </a:prstGeom>
+          <a:ln w="38100">
+            <a:solidFill>
+              <a:srgbClr val="FF0000"/>
+            </a:solidFill>
+            <a:tailEnd type="triangle"/>
+          </a:ln>
+        </p:spPr>
+        <p:style>
+          <a:lnRef idx="1">
+            <a:schemeClr val="accent1"/>
+          </a:lnRef>
+          <a:fillRef idx="0">
+            <a:schemeClr val="accent1"/>
+          </a:fillRef>
+          <a:effectRef idx="0">
+            <a:schemeClr val="accent1"/>
+          </a:effectRef>
+          <a:fontRef idx="minor">
+            <a:schemeClr val="tx1"/>
+          </a:fontRef>
+        </p:style>
+      </p:cxnSp>
+      <p:cxnSp>
+        <p:nvCxnSpPr>
+          <p:cNvPr id="34" name="Straight Arrow Connector 33">
+            <a:extLst>
+              <a:ext uri="{FF2B5EF4-FFF2-40B4-BE49-F238E27FC236}">
+                <a16:creationId xmlns:a16="http://schemas.microsoft.com/office/drawing/2014/main" id="{0F162903-5054-9B4C-9BB0-49D46F450FF8}"/>
+              </a:ext>
+            </a:extLst>
+          </p:cNvPr>
+          <p:cNvCxnSpPr>
+            <a:cxnSpLocks/>
+          </p:cNvCxnSpPr>
+          <p:nvPr/>
+        </p:nvCxnSpPr>
+        <p:spPr>
+          <a:xfrm>
+            <a:off x="6267729" y="789909"/>
+            <a:ext cx="0" cy="479130"/>
+          </a:xfrm>
+          <a:prstGeom prst="straightConnector1">
+            <a:avLst/>
+          </a:prstGeom>
+          <a:ln w="38100">
+            <a:solidFill>
+              <a:srgbClr val="FF0000"/>
+            </a:solidFill>
+            <a:tailEnd type="triangle"/>
+          </a:ln>
+        </p:spPr>
+        <p:style>
+          <a:lnRef idx="1">
+            <a:schemeClr val="accent1"/>
+          </a:lnRef>
+          <a:fillRef idx="0">
+            <a:schemeClr val="accent1"/>
+          </a:fillRef>
+          <a:effectRef idx="0">
+            <a:schemeClr val="accent1"/>
+          </a:effectRef>
+          <a:fontRef idx="minor">
+            <a:schemeClr val="tx1"/>
+          </a:fontRef>
+        </p:style>
+      </p:cxnSp>
+      <p:cxnSp>
+        <p:nvCxnSpPr>
+          <p:cNvPr id="37" name="Straight Arrow Connector 36">
+            <a:extLst>
+              <a:ext uri="{FF2B5EF4-FFF2-40B4-BE49-F238E27FC236}">
+                <a16:creationId xmlns:a16="http://schemas.microsoft.com/office/drawing/2014/main" id="{95871239-ED62-8B49-BD40-7D813E736CB0}"/>
+              </a:ext>
+            </a:extLst>
+          </p:cNvPr>
+          <p:cNvCxnSpPr>
+            <a:cxnSpLocks/>
+            <a:stCxn id="41" idx="1"/>
+            <a:endCxn id="29" idx="3"/>
+          </p:cNvCxnSpPr>
+          <p:nvPr/>
+        </p:nvCxnSpPr>
+        <p:spPr>
+          <a:xfrm flipH="1" flipV="1">
+            <a:off x="7856416" y="2408551"/>
+            <a:ext cx="706108" cy="1770"/>
+          </a:xfrm>
+          <a:prstGeom prst="straightConnector1">
+            <a:avLst/>
+          </a:prstGeom>
+          <a:ln w="38100">
+            <a:solidFill>
+              <a:srgbClr val="FF0000"/>
+            </a:solidFill>
+            <a:tailEnd type="triangle"/>
+          </a:ln>
+        </p:spPr>
+        <p:style>
+          <a:lnRef idx="1">
+            <a:schemeClr val="accent1"/>
+          </a:lnRef>
+          <a:fillRef idx="0">
+            <a:schemeClr val="accent1"/>
+          </a:fillRef>
+          <a:effectRef idx="0">
+            <a:schemeClr val="accent1"/>
+          </a:effectRef>
+          <a:fontRef idx="minor">
+            <a:schemeClr val="tx1"/>
+          </a:fontRef>
+        </p:style>
+      </p:cxnSp>
+      <p:pic>
+        <p:nvPicPr>
+          <p:cNvPr id="40" name="Picture 39">
+            <a:extLst>
+              <a:ext uri="{FF2B5EF4-FFF2-40B4-BE49-F238E27FC236}">
+                <a16:creationId xmlns:a16="http://schemas.microsoft.com/office/drawing/2014/main" id="{6BD96A1D-BF0A-A740-952F-1A756BE781D5}"/>
+              </a:ext>
+            </a:extLst>
+          </p:cNvPr>
+          <p:cNvPicPr>
+            <a:picLocks noChangeAspect="1"/>
+          </p:cNvPicPr>
+          <p:nvPr/>
+        </p:nvPicPr>
+        <p:blipFill>
+          <a:blip r:embed="rId3"/>
+          <a:stretch>
+            <a:fillRect/>
+          </a:stretch>
+        </p:blipFill>
+        <p:spPr>
+          <a:xfrm>
+            <a:off x="2729830" y="1290071"/>
+            <a:ext cx="330200" cy="368300"/>
+          </a:xfrm>
+          <a:prstGeom prst="rect">
+            <a:avLst/>
+          </a:prstGeom>
+        </p:spPr>
+      </p:pic>
+      <p:pic>
+        <p:nvPicPr>
+          <p:cNvPr id="41" name="Picture 40">
+            <a:extLst>
+              <a:ext uri="{FF2B5EF4-FFF2-40B4-BE49-F238E27FC236}">
+                <a16:creationId xmlns:a16="http://schemas.microsoft.com/office/drawing/2014/main" id="{93F6A103-1D2D-C147-8D54-AECD76F1E64D}"/>
+              </a:ext>
+            </a:extLst>
+          </p:cNvPr>
+          <p:cNvPicPr>
+            <a:picLocks noChangeAspect="1"/>
+          </p:cNvPicPr>
+          <p:nvPr/>
+        </p:nvPicPr>
+        <p:blipFill>
+          <a:blip r:embed="rId4"/>
+          <a:stretch>
+            <a:fillRect/>
+          </a:stretch>
+        </p:blipFill>
+        <p:spPr>
+          <a:xfrm>
+            <a:off x="8562524" y="2251571"/>
+            <a:ext cx="355600" cy="317500"/>
+          </a:xfrm>
+          <a:prstGeom prst="rect">
+            <a:avLst/>
+          </a:prstGeom>
+        </p:spPr>
+      </p:pic>
+      <p:cxnSp>
+        <p:nvCxnSpPr>
+          <p:cNvPr id="43" name="Straight Arrow Connector 42">
+            <a:extLst>
+              <a:ext uri="{FF2B5EF4-FFF2-40B4-BE49-F238E27FC236}">
+                <a16:creationId xmlns:a16="http://schemas.microsoft.com/office/drawing/2014/main" id="{1FBC2C45-B678-A44E-8C2D-27CC53091DDC}"/>
+              </a:ext>
+            </a:extLst>
+          </p:cNvPr>
+          <p:cNvCxnSpPr>
+            <a:cxnSpLocks/>
+            <a:stCxn id="55" idx="1"/>
+            <a:endCxn id="15" idx="3"/>
+          </p:cNvCxnSpPr>
+          <p:nvPr/>
+        </p:nvCxnSpPr>
+        <p:spPr>
+          <a:xfrm flipH="1">
+            <a:off x="3940840" y="1460882"/>
+            <a:ext cx="970402" cy="7763"/>
+          </a:xfrm>
+          <a:prstGeom prst="straightConnector1">
+            <a:avLst/>
+          </a:prstGeom>
+          <a:ln w="38100">
+            <a:solidFill>
+              <a:schemeClr val="tx1"/>
+            </a:solidFill>
+            <a:tailEnd type="triangle"/>
+          </a:ln>
+        </p:spPr>
+        <p:style>
+          <a:lnRef idx="1">
+            <a:schemeClr val="accent1"/>
+          </a:lnRef>
+          <a:fillRef idx="0">
+            <a:schemeClr val="accent1"/>
+          </a:fillRef>
+          <a:effectRef idx="0">
+            <a:schemeClr val="accent1"/>
+          </a:effectRef>
+          <a:fontRef idx="minor">
+            <a:schemeClr val="tx1"/>
+          </a:fontRef>
+        </p:style>
+      </p:cxnSp>
+      <p:cxnSp>
+        <p:nvCxnSpPr>
+          <p:cNvPr id="44" name="Straight Arrow Connector 43">
+            <a:extLst>
+              <a:ext uri="{FF2B5EF4-FFF2-40B4-BE49-F238E27FC236}">
+                <a16:creationId xmlns:a16="http://schemas.microsoft.com/office/drawing/2014/main" id="{81EFCA43-16CF-8F47-9235-3EC752C6F09D}"/>
+              </a:ext>
+            </a:extLst>
+          </p:cNvPr>
+          <p:cNvCxnSpPr>
+            <a:cxnSpLocks/>
+            <a:stCxn id="4" idx="1"/>
+            <a:endCxn id="11" idx="3"/>
+          </p:cNvCxnSpPr>
+          <p:nvPr/>
+        </p:nvCxnSpPr>
+        <p:spPr>
+          <a:xfrm flipH="1">
+            <a:off x="6442431" y="1463070"/>
+            <a:ext cx="884817" cy="5575"/>
+          </a:xfrm>
+          <a:prstGeom prst="straightConnector1">
+            <a:avLst/>
+          </a:prstGeom>
+          <a:ln w="38100">
+            <a:solidFill>
+              <a:schemeClr val="tx1"/>
+            </a:solidFill>
+            <a:tailEnd type="triangle"/>
+          </a:ln>
+        </p:spPr>
+        <p:style>
+          <a:lnRef idx="1">
+            <a:schemeClr val="accent1"/>
+          </a:lnRef>
+          <a:fillRef idx="0">
+            <a:schemeClr val="accent1"/>
+          </a:fillRef>
+          <a:effectRef idx="0">
+            <a:schemeClr val="accent1"/>
+          </a:effectRef>
+          <a:fontRef idx="minor">
+            <a:schemeClr val="tx1"/>
+          </a:fontRef>
+        </p:style>
+      </p:cxnSp>
+      <p:cxnSp>
+        <p:nvCxnSpPr>
+          <p:cNvPr id="48" name="Elbow Connector 47">
+            <a:extLst>
+              <a:ext uri="{FF2B5EF4-FFF2-40B4-BE49-F238E27FC236}">
+                <a16:creationId xmlns:a16="http://schemas.microsoft.com/office/drawing/2014/main" id="{BE57766A-DC09-2741-A439-9F0C499611D7}"/>
+              </a:ext>
+            </a:extLst>
+          </p:cNvPr>
+          <p:cNvCxnSpPr>
+            <a:cxnSpLocks/>
+            <a:endCxn id="7" idx="1"/>
+          </p:cNvCxnSpPr>
+          <p:nvPr/>
+        </p:nvCxnSpPr>
+        <p:spPr>
+          <a:xfrm rot="16200000" flipH="1">
+            <a:off x="4077330" y="1582037"/>
+            <a:ext cx="1000582" cy="667241"/>
+          </a:xfrm>
+          <a:prstGeom prst="bentConnector2">
+            <a:avLst/>
+          </a:prstGeom>
+          <a:ln w="38100">
+            <a:solidFill>
+              <a:schemeClr val="tx1"/>
+            </a:solidFill>
+            <a:tailEnd type="triangle"/>
+          </a:ln>
+        </p:spPr>
+        <p:style>
+          <a:lnRef idx="1">
+            <a:schemeClr val="accent1"/>
+          </a:lnRef>
+          <a:fillRef idx="0">
+            <a:schemeClr val="accent1"/>
+          </a:fillRef>
+          <a:effectRef idx="0">
+            <a:schemeClr val="accent1"/>
+          </a:effectRef>
+          <a:fontRef idx="minor">
+            <a:schemeClr val="tx1"/>
+          </a:fontRef>
+        </p:style>
+      </p:cxnSp>
+      <p:cxnSp>
+        <p:nvCxnSpPr>
+          <p:cNvPr id="49" name="Elbow Connector 48">
+            <a:extLst>
+              <a:ext uri="{FF2B5EF4-FFF2-40B4-BE49-F238E27FC236}">
+                <a16:creationId xmlns:a16="http://schemas.microsoft.com/office/drawing/2014/main" id="{F091466D-3FD6-4E43-9B3F-0C1A90FC091B}"/>
+              </a:ext>
+            </a:extLst>
+          </p:cNvPr>
+          <p:cNvCxnSpPr>
+            <a:cxnSpLocks/>
+            <a:stCxn id="7" idx="3"/>
+            <a:endCxn id="10" idx="4"/>
+          </p:cNvCxnSpPr>
+          <p:nvPr/>
+        </p:nvCxnSpPr>
+        <p:spPr>
+          <a:xfrm flipV="1">
+            <a:off x="5642762" y="1640374"/>
+            <a:ext cx="636118" cy="775575"/>
+          </a:xfrm>
+          <a:prstGeom prst="bentConnector2">
+            <a:avLst/>
+          </a:prstGeom>
+          <a:ln w="38100">
+            <a:solidFill>
+              <a:schemeClr val="tx1"/>
+            </a:solidFill>
+            <a:tailEnd type="triangle"/>
+          </a:ln>
+        </p:spPr>
+        <p:style>
+          <a:lnRef idx="1">
+            <a:schemeClr val="accent1"/>
+          </a:lnRef>
+          <a:fillRef idx="0">
+            <a:schemeClr val="accent1"/>
+          </a:fillRef>
+          <a:effectRef idx="0">
+            <a:schemeClr val="accent1"/>
+          </a:effectRef>
+          <a:fontRef idx="minor">
+            <a:schemeClr val="tx1"/>
+          </a:fontRef>
+        </p:style>
+      </p:cxnSp>
+      <p:pic>
+        <p:nvPicPr>
+          <p:cNvPr id="53" name="Picture 52">
+            <a:extLst>
+              <a:ext uri="{FF2B5EF4-FFF2-40B4-BE49-F238E27FC236}">
+                <a16:creationId xmlns:a16="http://schemas.microsoft.com/office/drawing/2014/main" id="{1C56BAFF-FF5B-DC4E-9789-53C8008FDD4F}"/>
+              </a:ext>
+            </a:extLst>
+          </p:cNvPr>
+          <p:cNvPicPr>
+            <a:picLocks noChangeAspect="1"/>
+          </p:cNvPicPr>
+          <p:nvPr/>
+        </p:nvPicPr>
+        <p:blipFill>
+          <a:blip r:embed="rId5"/>
+          <a:stretch>
+            <a:fillRect/>
+          </a:stretch>
+        </p:blipFill>
+        <p:spPr>
+          <a:xfrm>
+            <a:off x="4189215" y="1214848"/>
+            <a:ext cx="203200" cy="165100"/>
+          </a:xfrm>
+          <a:prstGeom prst="rect">
+            <a:avLst/>
+          </a:prstGeom>
+        </p:spPr>
+      </p:pic>
+      <p:cxnSp>
+        <p:nvCxnSpPr>
+          <p:cNvPr id="56" name="Elbow Connector 55">
+            <a:extLst>
+              <a:ext uri="{FF2B5EF4-FFF2-40B4-BE49-F238E27FC236}">
+                <a16:creationId xmlns:a16="http://schemas.microsoft.com/office/drawing/2014/main" id="{8BE720EC-6B6D-E846-BDB9-DEE501A9CE38}"/>
+              </a:ext>
+            </a:extLst>
+          </p:cNvPr>
+          <p:cNvCxnSpPr>
+            <a:cxnSpLocks/>
+            <a:stCxn id="14" idx="4"/>
+            <a:endCxn id="17" idx="2"/>
+          </p:cNvCxnSpPr>
+          <p:nvPr/>
+        </p:nvCxnSpPr>
+        <p:spPr>
+          <a:xfrm rot="16200000" flipH="1">
+            <a:off x="3076459" y="2341204"/>
+            <a:ext cx="1675980" cy="274320"/>
+          </a:xfrm>
+          <a:prstGeom prst="bentConnector2">
+            <a:avLst/>
+          </a:prstGeom>
+          <a:ln w="38100">
+            <a:solidFill>
+              <a:schemeClr val="tx1"/>
+            </a:solidFill>
+            <a:tailEnd type="triangle"/>
+          </a:ln>
+        </p:spPr>
+        <p:style>
+          <a:lnRef idx="1">
+            <a:schemeClr val="accent1"/>
+          </a:lnRef>
+          <a:fillRef idx="0">
+            <a:schemeClr val="accent1"/>
+          </a:fillRef>
+          <a:effectRef idx="0">
+            <a:schemeClr val="accent1"/>
+          </a:effectRef>
+          <a:fontRef idx="minor">
+            <a:schemeClr val="tx1"/>
+          </a:fontRef>
+        </p:style>
+      </p:cxnSp>
+      <p:cxnSp>
+        <p:nvCxnSpPr>
+          <p:cNvPr id="58" name="Elbow Connector 57">
+            <a:extLst>
+              <a:ext uri="{FF2B5EF4-FFF2-40B4-BE49-F238E27FC236}">
+                <a16:creationId xmlns:a16="http://schemas.microsoft.com/office/drawing/2014/main" id="{F951999D-EE17-2F41-BED0-172E2909048E}"/>
+              </a:ext>
+            </a:extLst>
+          </p:cNvPr>
+          <p:cNvCxnSpPr>
+            <a:cxnSpLocks/>
+            <a:stCxn id="20" idx="1"/>
+            <a:endCxn id="18" idx="2"/>
+          </p:cNvCxnSpPr>
+          <p:nvPr/>
+        </p:nvCxnSpPr>
+        <p:spPr>
+          <a:xfrm rot="10800000">
+            <a:off x="4245640" y="3486256"/>
+            <a:ext cx="210246" cy="704987"/>
+          </a:xfrm>
+          <a:prstGeom prst="bentConnector2">
+            <a:avLst/>
+          </a:prstGeom>
+          <a:ln w="38100">
+            <a:solidFill>
+              <a:schemeClr val="tx1"/>
+            </a:solidFill>
+            <a:tailEnd type="triangle"/>
+          </a:ln>
+        </p:spPr>
+        <p:style>
+          <a:lnRef idx="1">
+            <a:schemeClr val="accent1"/>
+          </a:lnRef>
+          <a:fillRef idx="0">
+            <a:schemeClr val="accent1"/>
+          </a:fillRef>
+          <a:effectRef idx="0">
+            <a:schemeClr val="accent1"/>
+          </a:effectRef>
+          <a:fontRef idx="minor">
+            <a:schemeClr val="tx1"/>
+          </a:fontRef>
+        </p:style>
+      </p:cxnSp>
+      <p:cxnSp>
+        <p:nvCxnSpPr>
+          <p:cNvPr id="61" name="Straight Arrow Connector 60">
+            <a:extLst>
+              <a:ext uri="{FF2B5EF4-FFF2-40B4-BE49-F238E27FC236}">
+                <a16:creationId xmlns:a16="http://schemas.microsoft.com/office/drawing/2014/main" id="{160CE98F-A2E7-5C4C-B0E4-0A10F6A5E88C}"/>
+              </a:ext>
+            </a:extLst>
+          </p:cNvPr>
+          <p:cNvCxnSpPr>
+            <a:cxnSpLocks/>
+            <a:stCxn id="17" idx="6"/>
+            <a:endCxn id="25" idx="1"/>
+          </p:cNvCxnSpPr>
+          <p:nvPr/>
+        </p:nvCxnSpPr>
+        <p:spPr>
+          <a:xfrm>
+            <a:off x="4417369" y="3316354"/>
+            <a:ext cx="2637916" cy="11151"/>
+          </a:xfrm>
+          <a:prstGeom prst="straightConnector1">
+            <a:avLst/>
+          </a:prstGeom>
+          <a:ln w="38100">
+            <a:solidFill>
+              <a:schemeClr val="tx1"/>
+            </a:solidFill>
+            <a:tailEnd type="triangle"/>
+          </a:ln>
+        </p:spPr>
+        <p:style>
+          <a:lnRef idx="1">
+            <a:schemeClr val="accent1"/>
+          </a:lnRef>
+          <a:fillRef idx="0">
+            <a:schemeClr val="accent1"/>
+          </a:fillRef>
+          <a:effectRef idx="0">
+            <a:schemeClr val="accent1"/>
+          </a:effectRef>
+          <a:fontRef idx="minor">
+            <a:schemeClr val="tx1"/>
+          </a:fontRef>
+        </p:style>
+      </p:cxnSp>
+      <p:cxnSp>
+        <p:nvCxnSpPr>
+          <p:cNvPr id="65" name="Elbow Connector 64">
+            <a:extLst>
+              <a:ext uri="{FF2B5EF4-FFF2-40B4-BE49-F238E27FC236}">
+                <a16:creationId xmlns:a16="http://schemas.microsoft.com/office/drawing/2014/main" id="{0FF3E87B-275D-574E-9534-50478B978AC0}"/>
+              </a:ext>
+            </a:extLst>
+          </p:cNvPr>
+          <p:cNvCxnSpPr>
+            <a:cxnSpLocks/>
+            <a:endCxn id="20" idx="3"/>
+          </p:cNvCxnSpPr>
+          <p:nvPr/>
+        </p:nvCxnSpPr>
+        <p:spPr>
+          <a:xfrm rot="5400000">
+            <a:off x="6324793" y="3647807"/>
+            <a:ext cx="863735" cy="223135"/>
+          </a:xfrm>
+          <a:prstGeom prst="bentConnector2">
+            <a:avLst/>
+          </a:prstGeom>
+          <a:ln w="38100">
+            <a:solidFill>
+              <a:schemeClr val="tx1"/>
+            </a:solidFill>
+            <a:tailEnd type="triangle"/>
+          </a:ln>
+        </p:spPr>
+        <p:style>
+          <a:lnRef idx="1">
+            <a:schemeClr val="accent1"/>
+          </a:lnRef>
+          <a:fillRef idx="0">
+            <a:schemeClr val="accent1"/>
+          </a:fillRef>
+          <a:effectRef idx="0">
+            <a:schemeClr val="accent1"/>
+          </a:effectRef>
+          <a:fontRef idx="minor">
+            <a:schemeClr val="tx1"/>
+          </a:fontRef>
+        </p:style>
+      </p:cxnSp>
+      <p:pic>
+        <p:nvPicPr>
+          <p:cNvPr id="72" name="Picture 71">
+            <a:extLst>
+              <a:ext uri="{FF2B5EF4-FFF2-40B4-BE49-F238E27FC236}">
+                <a16:creationId xmlns:a16="http://schemas.microsoft.com/office/drawing/2014/main" id="{9D71A690-F350-B14D-B3B1-7EC7F5FA454D}"/>
+              </a:ext>
+            </a:extLst>
+          </p:cNvPr>
+          <p:cNvPicPr>
+            <a:picLocks noChangeAspect="1"/>
+          </p:cNvPicPr>
+          <p:nvPr/>
+        </p:nvPicPr>
+        <p:blipFill>
+          <a:blip r:embed="rId6"/>
+          <a:stretch>
+            <a:fillRect/>
+          </a:stretch>
+        </p:blipFill>
+        <p:spPr>
+          <a:xfrm>
+            <a:off x="3719315" y="3722868"/>
+            <a:ext cx="469900" cy="266700"/>
+          </a:xfrm>
+          <a:prstGeom prst="rect">
+            <a:avLst/>
+          </a:prstGeom>
+        </p:spPr>
+      </p:pic>
+      <p:pic>
+        <p:nvPicPr>
+          <p:cNvPr id="73" name="Picture 72">
+            <a:extLst>
+              <a:ext uri="{FF2B5EF4-FFF2-40B4-BE49-F238E27FC236}">
+                <a16:creationId xmlns:a16="http://schemas.microsoft.com/office/drawing/2014/main" id="{FE104620-62A4-A841-9F2D-300C4E46C483}"/>
+              </a:ext>
+            </a:extLst>
+          </p:cNvPr>
+          <p:cNvPicPr>
+            <a:picLocks noChangeAspect="1"/>
+          </p:cNvPicPr>
+          <p:nvPr/>
+        </p:nvPicPr>
+        <p:blipFill>
+          <a:blip r:embed="rId7"/>
+          <a:stretch>
+            <a:fillRect/>
+          </a:stretch>
+        </p:blipFill>
+        <p:spPr>
+          <a:xfrm>
+            <a:off x="5182625" y="2981113"/>
+            <a:ext cx="292100" cy="266700"/>
+          </a:xfrm>
+          <a:prstGeom prst="rect">
+            <a:avLst/>
+          </a:prstGeom>
+        </p:spPr>
+      </p:pic>
+      <p:cxnSp>
+        <p:nvCxnSpPr>
+          <p:cNvPr id="76" name="Straight Arrow Connector 75">
+            <a:extLst>
+              <a:ext uri="{FF2B5EF4-FFF2-40B4-BE49-F238E27FC236}">
+                <a16:creationId xmlns:a16="http://schemas.microsoft.com/office/drawing/2014/main" id="{1140042E-7F4E-D84B-8D60-8B08670EE7AE}"/>
+              </a:ext>
+            </a:extLst>
+          </p:cNvPr>
+          <p:cNvCxnSpPr>
+            <a:cxnSpLocks/>
+            <a:stCxn id="25" idx="0"/>
+            <a:endCxn id="29" idx="2"/>
+          </p:cNvCxnSpPr>
+          <p:nvPr/>
+        </p:nvCxnSpPr>
+        <p:spPr>
+          <a:xfrm flipV="1">
+            <a:off x="7704016" y="2567301"/>
+            <a:ext cx="0" cy="413812"/>
+          </a:xfrm>
+          <a:prstGeom prst="straightConnector1">
+            <a:avLst/>
+          </a:prstGeom>
+          <a:ln w="38100">
+            <a:solidFill>
+              <a:schemeClr val="tx1"/>
+            </a:solidFill>
+            <a:tailEnd type="triangle"/>
+          </a:ln>
+        </p:spPr>
+        <p:style>
+          <a:lnRef idx="1">
+            <a:schemeClr val="accent1"/>
+          </a:lnRef>
+          <a:fillRef idx="0">
+            <a:schemeClr val="accent1"/>
+          </a:fillRef>
+          <a:effectRef idx="0">
+            <a:schemeClr val="accent1"/>
+          </a:effectRef>
+          <a:fontRef idx="minor">
+            <a:schemeClr val="tx1"/>
+          </a:fontRef>
+        </p:style>
+      </p:cxnSp>
+      <p:cxnSp>
+        <p:nvCxnSpPr>
+          <p:cNvPr id="79" name="Straight Arrow Connector 78">
+            <a:extLst>
+              <a:ext uri="{FF2B5EF4-FFF2-40B4-BE49-F238E27FC236}">
+                <a16:creationId xmlns:a16="http://schemas.microsoft.com/office/drawing/2014/main" id="{B5F07146-5547-3748-9751-6C9080EF9421}"/>
+              </a:ext>
+            </a:extLst>
+          </p:cNvPr>
+          <p:cNvCxnSpPr>
+            <a:cxnSpLocks/>
+            <a:stCxn id="28" idx="0"/>
+            <a:endCxn id="4" idx="2"/>
+          </p:cNvCxnSpPr>
+          <p:nvPr/>
+        </p:nvCxnSpPr>
+        <p:spPr>
+          <a:xfrm flipV="1">
+            <a:off x="7692865" y="1809462"/>
+            <a:ext cx="143" cy="405058"/>
+          </a:xfrm>
+          <a:prstGeom prst="straightConnector1">
+            <a:avLst/>
+          </a:prstGeom>
+          <a:ln w="38100">
+            <a:solidFill>
+              <a:schemeClr val="tx1"/>
+            </a:solidFill>
+            <a:tailEnd type="triangle"/>
+          </a:ln>
+        </p:spPr>
+        <p:style>
+          <a:lnRef idx="1">
+            <a:schemeClr val="accent1"/>
+          </a:lnRef>
+          <a:fillRef idx="0">
+            <a:schemeClr val="accent1"/>
+          </a:fillRef>
+          <a:effectRef idx="0">
+            <a:schemeClr val="accent1"/>
+          </a:effectRef>
+          <a:fontRef idx="minor">
+            <a:schemeClr val="tx1"/>
+          </a:fontRef>
+        </p:style>
+      </p:cxnSp>
+      <p:pic>
+        <p:nvPicPr>
+          <p:cNvPr id="82" name="Picture 81">
+            <a:extLst>
+              <a:ext uri="{FF2B5EF4-FFF2-40B4-BE49-F238E27FC236}">
+                <a16:creationId xmlns:a16="http://schemas.microsoft.com/office/drawing/2014/main" id="{94FF12E3-F3FD-3C4A-8CF2-5207A965E6D7}"/>
+              </a:ext>
+            </a:extLst>
+          </p:cNvPr>
+          <p:cNvPicPr>
+            <a:picLocks noChangeAspect="1"/>
+          </p:cNvPicPr>
+          <p:nvPr/>
+        </p:nvPicPr>
+        <p:blipFill>
+          <a:blip r:embed="rId8"/>
+          <a:stretch>
+            <a:fillRect/>
+          </a:stretch>
+        </p:blipFill>
+        <p:spPr>
+          <a:xfrm>
+            <a:off x="7748466" y="1990903"/>
+            <a:ext cx="215900" cy="177800"/>
+          </a:xfrm>
+          <a:prstGeom prst="rect">
+            <a:avLst/>
+          </a:prstGeom>
+        </p:spPr>
+      </p:pic>
+      <p:sp>
+        <p:nvSpPr>
+          <p:cNvPr id="83" name="Rounded Rectangle 82">
+            <a:extLst>
+              <a:ext uri="{FF2B5EF4-FFF2-40B4-BE49-F238E27FC236}">
+                <a16:creationId xmlns:a16="http://schemas.microsoft.com/office/drawing/2014/main" id="{9C0D0429-AE89-E74D-B632-9FC66B757B36}"/>
+              </a:ext>
+            </a:extLst>
+          </p:cNvPr>
+          <p:cNvSpPr/>
+          <p:nvPr/>
+        </p:nvSpPr>
+        <p:spPr>
+          <a:xfrm>
+            <a:off x="3590315" y="2897851"/>
+            <a:ext cx="4827246" cy="1744052"/>
+          </a:xfrm>
+          <a:prstGeom prst="roundRect">
+            <a:avLst/>
+          </a:prstGeom>
+          <a:noFill/>
+          <a:ln w="38100">
+            <a:solidFill>
+              <a:srgbClr val="0432FF"/>
+            </a:solidFill>
+            <a:prstDash val="dash"/>
+          </a:ln>
+          <a:effectLst/>
+        </p:spPr>
+        <p:style>
+          <a:lnRef idx="2">
+            <a:schemeClr val="accent1">
+              <a:shade val="50000"/>
+            </a:schemeClr>
+          </a:lnRef>
+          <a:fillRef idx="1">
+            <a:schemeClr val="accent1"/>
+          </a:fillRef>
+          <a:effectRef idx="0">
+            <a:schemeClr val="accent1"/>
+          </a:effectRef>
+          <a:fontRef idx="minor">
+            <a:schemeClr val="lt1"/>
+          </a:fontRef>
+        </p:style>
+        <p:txBody>
+          <a:bodyPr rtlCol="0" anchor="ctr"/>
+          <a:lstStyle/>
+          <a:p>
+            <a:pPr algn="ctr"/>
+            <a:endParaRPr lang="en-US"/>
+          </a:p>
+        </p:txBody>
+      </p:sp>
+      <p:pic>
+        <p:nvPicPr>
+          <p:cNvPr id="84" name="Picture 83">
+            <a:extLst>
+              <a:ext uri="{FF2B5EF4-FFF2-40B4-BE49-F238E27FC236}">
+                <a16:creationId xmlns:a16="http://schemas.microsoft.com/office/drawing/2014/main" id="{B687148C-CD5A-3E46-AC9D-2EEE0D3D544D}"/>
+              </a:ext>
+            </a:extLst>
+          </p:cNvPr>
+          <p:cNvPicPr>
+            <a:picLocks noChangeAspect="1"/>
+          </p:cNvPicPr>
+          <p:nvPr/>
+        </p:nvPicPr>
+        <p:blipFill>
+          <a:blip r:embed="rId9"/>
+          <a:stretch>
+            <a:fillRect/>
+          </a:stretch>
+        </p:blipFill>
+        <p:spPr>
+          <a:xfrm>
+            <a:off x="3507752" y="2214520"/>
+            <a:ext cx="203200" cy="241300"/>
+          </a:xfrm>
+          <a:prstGeom prst="rect">
+            <a:avLst/>
+          </a:prstGeom>
+        </p:spPr>
+      </p:pic>
+      <p:pic>
+        <p:nvPicPr>
+          <p:cNvPr id="85" name="Picture 84">
+            <a:extLst>
+              <a:ext uri="{FF2B5EF4-FFF2-40B4-BE49-F238E27FC236}">
+                <a16:creationId xmlns:a16="http://schemas.microsoft.com/office/drawing/2014/main" id="{5EB1B404-83B5-7E47-A648-F86E1FFE4E4B}"/>
+              </a:ext>
+            </a:extLst>
+          </p:cNvPr>
+          <p:cNvPicPr>
+            <a:picLocks noChangeAspect="1"/>
+          </p:cNvPicPr>
+          <p:nvPr/>
+        </p:nvPicPr>
+        <p:blipFill>
+          <a:blip r:embed="rId10"/>
+          <a:stretch>
+            <a:fillRect/>
+          </a:stretch>
+        </p:blipFill>
+        <p:spPr>
+          <a:xfrm>
+            <a:off x="8483464" y="4116538"/>
+            <a:ext cx="444500" cy="317500"/>
+          </a:xfrm>
+          <a:prstGeom prst="rect">
+            <a:avLst/>
+          </a:prstGeom>
+        </p:spPr>
+      </p:pic>
+      <p:pic>
+        <p:nvPicPr>
+          <p:cNvPr id="2" name="Picture 1">
+            <a:extLst>
+              <a:ext uri="{FF2B5EF4-FFF2-40B4-BE49-F238E27FC236}">
+                <a16:creationId xmlns:a16="http://schemas.microsoft.com/office/drawing/2014/main" id="{933AC045-F4B2-BF4A-A4EA-4A1F158E2FCD}"/>
+              </a:ext>
+            </a:extLst>
+          </p:cNvPr>
+          <p:cNvPicPr>
+            <a:picLocks noChangeAspect="1"/>
+          </p:cNvPicPr>
+          <p:nvPr/>
+        </p:nvPicPr>
+        <p:blipFill>
+          <a:blip r:embed="rId11"/>
+          <a:stretch>
+            <a:fillRect/>
+          </a:stretch>
+        </p:blipFill>
+        <p:spPr>
+          <a:xfrm>
+            <a:off x="6137631" y="598023"/>
+            <a:ext cx="292100" cy="177800"/>
+          </a:xfrm>
+          <a:prstGeom prst="rect">
+            <a:avLst/>
+          </a:prstGeom>
+        </p:spPr>
+      </p:pic>
+      <p:grpSp>
+        <p:nvGrpSpPr>
+          <p:cNvPr id="33" name="Group 32">
+            <a:extLst>
+              <a:ext uri="{FF2B5EF4-FFF2-40B4-BE49-F238E27FC236}">
+                <a16:creationId xmlns:a16="http://schemas.microsoft.com/office/drawing/2014/main" id="{B9797119-3579-7347-89A7-0EF16DD30AE0}"/>
+              </a:ext>
+            </a:extLst>
+          </p:cNvPr>
+          <p:cNvGrpSpPr/>
+          <p:nvPr/>
+        </p:nvGrpSpPr>
+        <p:grpSpPr>
+          <a:xfrm>
+            <a:off x="4911242" y="2069557"/>
+            <a:ext cx="731520" cy="692784"/>
+            <a:chOff x="5018047" y="2147614"/>
+            <a:chExt cx="731520" cy="692784"/>
+          </a:xfrm>
+        </p:grpSpPr>
+        <p:sp>
+          <p:nvSpPr>
+            <p:cNvPr id="7" name="Rounded Rectangle 6">
+              <a:extLst>
+                <a:ext uri="{FF2B5EF4-FFF2-40B4-BE49-F238E27FC236}">
+                  <a16:creationId xmlns:a16="http://schemas.microsoft.com/office/drawing/2014/main" id="{FE2F7148-44C5-1D4C-A17C-30BFFA7FC0A8}"/>
+                </a:ext>
+              </a:extLst>
+            </p:cNvPr>
+            <p:cNvSpPr/>
+            <p:nvPr/>
+          </p:nvSpPr>
+          <p:spPr>
+            <a:xfrm>
+              <a:off x="5018047" y="2147614"/>
+              <a:ext cx="731520" cy="692784"/>
+            </a:xfrm>
+            <a:prstGeom prst="roundRect">
+              <a:avLst/>
+            </a:prstGeom>
+            <a:noFill/>
+            <a:ln w="38100">
+              <a:solidFill>
+                <a:schemeClr val="tx1"/>
+              </a:solidFill>
+            </a:ln>
+            <a:effectLst/>
+          </p:spPr>
+          <p:style>
+            <a:lnRef idx="2">
+              <a:schemeClr val="accent1">
+                <a:shade val="50000"/>
+              </a:schemeClr>
+            </a:lnRef>
+            <a:fillRef idx="1">
+              <a:schemeClr val="accent1"/>
+            </a:fillRef>
+            <a:effectRef idx="0">
+              <a:schemeClr val="accent1"/>
+            </a:effectRef>
+            <a:fontRef idx="minor">
+              <a:schemeClr val="lt1"/>
+            </a:fontRef>
+          </p:style>
+          <p:txBody>
+            <a:bodyPr rtlCol="0" anchor="ctr"/>
+            <a:lstStyle/>
+            <a:p>
+              <a:pPr algn="ctr"/>
+              <a:endParaRPr lang="en-US"/>
+            </a:p>
+          </p:txBody>
+        </p:sp>
+        <p:pic>
+          <p:nvPicPr>
+            <p:cNvPr id="3" name="Picture 2">
+              <a:extLst>
+                <a:ext uri="{FF2B5EF4-FFF2-40B4-BE49-F238E27FC236}">
+                  <a16:creationId xmlns:a16="http://schemas.microsoft.com/office/drawing/2014/main" id="{0EA7DF56-AE0B-5C47-A456-44EF7222FF24}"/>
+                </a:ext>
+              </a:extLst>
+            </p:cNvPr>
+            <p:cNvPicPr>
+              <a:picLocks noChangeAspect="1"/>
+            </p:cNvPicPr>
+            <p:nvPr/>
+          </p:nvPicPr>
+          <p:blipFill>
+            <a:blip r:embed="rId12"/>
+            <a:stretch>
+              <a:fillRect/>
+            </a:stretch>
+          </p:blipFill>
+          <p:spPr>
+            <a:xfrm>
+              <a:off x="5218707" y="2322556"/>
+              <a:ext cx="330200" cy="342900"/>
+            </a:xfrm>
+            <a:prstGeom prst="rect">
+              <a:avLst/>
+            </a:prstGeom>
+          </p:spPr>
+        </p:pic>
+      </p:grpSp>
+      <p:cxnSp>
+        <p:nvCxnSpPr>
+          <p:cNvPr id="59" name="Straight Arrow Connector 58">
+            <a:extLst>
+              <a:ext uri="{FF2B5EF4-FFF2-40B4-BE49-F238E27FC236}">
+                <a16:creationId xmlns:a16="http://schemas.microsoft.com/office/drawing/2014/main" id="{E04C5894-508B-0449-A148-F59062ACFAD0}"/>
+              </a:ext>
+            </a:extLst>
+          </p:cNvPr>
+          <p:cNvCxnSpPr>
+            <a:cxnSpLocks/>
+            <a:stCxn id="10" idx="2"/>
+            <a:endCxn id="55" idx="3"/>
+          </p:cNvCxnSpPr>
+          <p:nvPr/>
+        </p:nvCxnSpPr>
+        <p:spPr>
+          <a:xfrm flipH="1">
+            <a:off x="5642762" y="1457494"/>
+            <a:ext cx="453238" cy="3388"/>
+          </a:xfrm>
+          <a:prstGeom prst="straightConnector1">
+            <a:avLst/>
+          </a:prstGeom>
+          <a:ln w="38100">
+            <a:solidFill>
+              <a:schemeClr val="tx1"/>
+            </a:solidFill>
+            <a:tailEnd type="triangle"/>
+          </a:ln>
+        </p:spPr>
+        <p:style>
+          <a:lnRef idx="1">
+            <a:schemeClr val="accent1"/>
+          </a:lnRef>
+          <a:fillRef idx="0">
+            <a:schemeClr val="accent1"/>
+          </a:fillRef>
+          <a:effectRef idx="0">
+            <a:schemeClr val="accent1"/>
+          </a:effectRef>
+          <a:fontRef idx="minor">
+            <a:schemeClr val="tx1"/>
+          </a:fontRef>
+        </p:style>
+      </p:cxnSp>
+      <p:grpSp>
+        <p:nvGrpSpPr>
+          <p:cNvPr id="52" name="Group 51">
+            <a:extLst>
+              <a:ext uri="{FF2B5EF4-FFF2-40B4-BE49-F238E27FC236}">
+                <a16:creationId xmlns:a16="http://schemas.microsoft.com/office/drawing/2014/main" id="{E0164457-4A15-5E4B-8F87-44C3BE386469}"/>
+              </a:ext>
+            </a:extLst>
+          </p:cNvPr>
+          <p:cNvGrpSpPr/>
+          <p:nvPr/>
+        </p:nvGrpSpPr>
+        <p:grpSpPr>
+          <a:xfrm>
+            <a:off x="4911242" y="1114490"/>
+            <a:ext cx="731520" cy="692784"/>
+            <a:chOff x="4871344" y="1114490"/>
+            <a:chExt cx="731520" cy="692784"/>
+          </a:xfrm>
+        </p:grpSpPr>
+        <p:sp>
+          <p:nvSpPr>
+            <p:cNvPr id="55" name="Rounded Rectangle 54">
+              <a:extLst>
+                <a:ext uri="{FF2B5EF4-FFF2-40B4-BE49-F238E27FC236}">
+                  <a16:creationId xmlns:a16="http://schemas.microsoft.com/office/drawing/2014/main" id="{54361122-FCA5-5448-87F9-8B0ECE866E3A}"/>
+                </a:ext>
+              </a:extLst>
+            </p:cNvPr>
+            <p:cNvSpPr/>
+            <p:nvPr/>
+          </p:nvSpPr>
+          <p:spPr>
+            <a:xfrm>
+              <a:off x="4871344" y="1114490"/>
+              <a:ext cx="731520" cy="692784"/>
+            </a:xfrm>
+            <a:prstGeom prst="roundRect">
+              <a:avLst/>
+            </a:prstGeom>
+            <a:noFill/>
+            <a:ln w="38100">
+              <a:solidFill>
+                <a:schemeClr val="tx1"/>
+              </a:solidFill>
+            </a:ln>
+            <a:effectLst/>
+          </p:spPr>
+          <p:style>
+            <a:lnRef idx="2">
+              <a:schemeClr val="accent1">
+                <a:shade val="50000"/>
+              </a:schemeClr>
+            </a:lnRef>
+            <a:fillRef idx="1">
+              <a:schemeClr val="accent1"/>
+            </a:fillRef>
+            <a:effectRef idx="0">
+              <a:schemeClr val="accent1"/>
+            </a:effectRef>
+            <a:fontRef idx="minor">
+              <a:schemeClr val="lt1"/>
+            </a:fontRef>
+          </p:style>
+          <p:txBody>
+            <a:bodyPr rtlCol="0" anchor="ctr"/>
+            <a:lstStyle/>
+            <a:p>
+              <a:pPr algn="ctr"/>
+              <a:endParaRPr lang="en-US"/>
+            </a:p>
+          </p:txBody>
+        </p:sp>
+        <p:pic>
+          <p:nvPicPr>
+            <p:cNvPr id="47" name="Picture 46">
+              <a:extLst>
+                <a:ext uri="{FF2B5EF4-FFF2-40B4-BE49-F238E27FC236}">
+                  <a16:creationId xmlns:a16="http://schemas.microsoft.com/office/drawing/2014/main" id="{260D93AC-3AEE-A74B-8B02-EA0BB2EAB786}"/>
+                </a:ext>
+              </a:extLst>
+            </p:cNvPr>
+            <p:cNvPicPr>
+              <a:picLocks noChangeAspect="1"/>
+            </p:cNvPicPr>
+            <p:nvPr/>
+          </p:nvPicPr>
+          <p:blipFill>
+            <a:blip r:embed="rId13"/>
+            <a:stretch>
+              <a:fillRect/>
+            </a:stretch>
+          </p:blipFill>
+          <p:spPr>
+            <a:xfrm>
+              <a:off x="4924156" y="1225932"/>
+              <a:ext cx="635000" cy="469900"/>
+            </a:xfrm>
+            <a:prstGeom prst="rect">
+              <a:avLst/>
+            </a:prstGeom>
+          </p:spPr>
+        </p:pic>
+      </p:grpSp>
+      <p:pic>
+        <p:nvPicPr>
+          <p:cNvPr id="54" name="Picture 53">
+            <a:extLst>
+              <a:ext uri="{FF2B5EF4-FFF2-40B4-BE49-F238E27FC236}">
+                <a16:creationId xmlns:a16="http://schemas.microsoft.com/office/drawing/2014/main" id="{C003E35D-A294-9D4E-89B1-6283CD81DD72}"/>
+              </a:ext>
+            </a:extLst>
+          </p:cNvPr>
+          <p:cNvPicPr>
+            <a:picLocks noChangeAspect="1"/>
+          </p:cNvPicPr>
+          <p:nvPr/>
+        </p:nvPicPr>
+        <p:blipFill>
+          <a:blip r:embed="rId14"/>
+          <a:stretch>
+            <a:fillRect/>
+          </a:stretch>
+        </p:blipFill>
+        <p:spPr>
+          <a:xfrm>
+            <a:off x="7521278" y="1310304"/>
+            <a:ext cx="342900" cy="317500"/>
+          </a:xfrm>
+          <a:prstGeom prst="rect">
+            <a:avLst/>
+          </a:prstGeom>
+        </p:spPr>
+      </p:pic>
+      <p:pic>
+        <p:nvPicPr>
+          <p:cNvPr id="57" name="Picture 56">
+            <a:extLst>
+              <a:ext uri="{FF2B5EF4-FFF2-40B4-BE49-F238E27FC236}">
+                <a16:creationId xmlns:a16="http://schemas.microsoft.com/office/drawing/2014/main" id="{F8FE9E89-9442-A24D-80EB-64AACA662222}"/>
+              </a:ext>
+            </a:extLst>
+          </p:cNvPr>
+          <p:cNvPicPr>
+            <a:picLocks noChangeAspect="1"/>
+          </p:cNvPicPr>
+          <p:nvPr/>
+        </p:nvPicPr>
+        <p:blipFill>
+          <a:blip r:embed="rId15"/>
+          <a:stretch>
+            <a:fillRect/>
+          </a:stretch>
+        </p:blipFill>
+        <p:spPr>
+          <a:xfrm>
+            <a:off x="7286465" y="3130655"/>
+            <a:ext cx="812800" cy="393700"/>
+          </a:xfrm>
+          <a:prstGeom prst="rect">
+            <a:avLst/>
+          </a:prstGeom>
+        </p:spPr>
+      </p:pic>
+      <p:pic>
+        <p:nvPicPr>
+          <p:cNvPr id="60" name="Picture 59">
+            <a:extLst>
+              <a:ext uri="{FF2B5EF4-FFF2-40B4-BE49-F238E27FC236}">
+                <a16:creationId xmlns:a16="http://schemas.microsoft.com/office/drawing/2014/main" id="{E145AAC3-3785-3D42-8DEA-996104A4F15E}"/>
+              </a:ext>
+            </a:extLst>
+          </p:cNvPr>
+          <p:cNvPicPr>
+            <a:picLocks noChangeAspect="1"/>
+          </p:cNvPicPr>
+          <p:nvPr/>
+        </p:nvPicPr>
+        <p:blipFill>
+          <a:blip r:embed="rId16"/>
+          <a:stretch>
+            <a:fillRect/>
+          </a:stretch>
+        </p:blipFill>
+        <p:spPr>
+          <a:xfrm>
+            <a:off x="4744039" y="3997350"/>
+            <a:ext cx="1612900" cy="393700"/>
+          </a:xfrm>
+          <a:prstGeom prst="rect">
+            <a:avLst/>
+          </a:prstGeom>
+        </p:spPr>
+      </p:pic>
+      <p:sp>
+        <p:nvSpPr>
+          <p:cNvPr id="71" name="Rounded Rectangle 70">
+            <a:extLst>
+              <a:ext uri="{FF2B5EF4-FFF2-40B4-BE49-F238E27FC236}">
+                <a16:creationId xmlns:a16="http://schemas.microsoft.com/office/drawing/2014/main" id="{8B7C0F86-5C01-0141-B6B1-81C63A49A71E}"/>
+              </a:ext>
+            </a:extLst>
+          </p:cNvPr>
+          <p:cNvSpPr/>
+          <p:nvPr/>
+        </p:nvSpPr>
+        <p:spPr>
+          <a:xfrm>
+            <a:off x="4093240" y="1023466"/>
+            <a:ext cx="4107116" cy="1805545"/>
+          </a:xfrm>
+          <a:prstGeom prst="roundRect">
+            <a:avLst/>
+          </a:prstGeom>
+          <a:noFill/>
+          <a:ln w="38100">
+            <a:solidFill>
+              <a:srgbClr val="FF0000"/>
+            </a:solidFill>
+            <a:prstDash val="dash"/>
+          </a:ln>
+          <a:effectLst/>
+        </p:spPr>
+        <p:style>
+          <a:lnRef idx="2">
+            <a:schemeClr val="accent1">
+              <a:shade val="50000"/>
+            </a:schemeClr>
+          </a:lnRef>
+          <a:fillRef idx="1">
+            <a:schemeClr val="accent1"/>
+          </a:fillRef>
+          <a:effectRef idx="0">
+            <a:schemeClr val="accent1"/>
+          </a:effectRef>
+          <a:fontRef idx="minor">
+            <a:schemeClr val="lt1"/>
+          </a:fontRef>
+        </p:style>
+        <p:txBody>
+          <a:bodyPr rtlCol="0" anchor="ctr"/>
+          <a:lstStyle/>
+          <a:p>
+            <a:pPr algn="ctr"/>
+            <a:endParaRPr lang="en-US"/>
+          </a:p>
+        </p:txBody>
+      </p:sp>
+      <p:pic>
+        <p:nvPicPr>
+          <p:cNvPr id="62" name="Picture 61">
+            <a:extLst>
+              <a:ext uri="{FF2B5EF4-FFF2-40B4-BE49-F238E27FC236}">
+                <a16:creationId xmlns:a16="http://schemas.microsoft.com/office/drawing/2014/main" id="{04D08C80-5440-6649-BCDB-1548AFB45E67}"/>
+              </a:ext>
+            </a:extLst>
+          </p:cNvPr>
+          <p:cNvPicPr>
+            <a:picLocks noChangeAspect="1"/>
+          </p:cNvPicPr>
+          <p:nvPr/>
+        </p:nvPicPr>
+        <p:blipFill>
+          <a:blip r:embed="rId17"/>
+          <a:stretch>
+            <a:fillRect/>
+          </a:stretch>
+        </p:blipFill>
+        <p:spPr>
+          <a:xfrm>
+            <a:off x="8332277" y="1311690"/>
+            <a:ext cx="368300" cy="330200"/>
+          </a:xfrm>
+          <a:prstGeom prst="rect">
+            <a:avLst/>
+          </a:prstGeom>
+        </p:spPr>
+      </p:pic>
+    </p:spTree>
+    <p:extLst>
+      <p:ext uri="{BB962C8B-B14F-4D97-AF65-F5344CB8AC3E}">
+        <p14:creationId xmlns:p14="http://schemas.microsoft.com/office/powerpoint/2010/main" val="3919969729"/>
       </p:ext>
     </p:extLst>
   </p:cSld>
